--- a/Schedule/チーム製作企画書.pptx
+++ b/Schedule/チーム製作企画書.pptx
@@ -5,10 +5,12 @@
     <p:sldMasterId id="2147483648" r:id="rId1"/>
   </p:sldMasterIdLst>
   <p:sldIdLst>
-    <p:sldId id="256" r:id="rId2"/>
-    <p:sldId id="257" r:id="rId3"/>
-    <p:sldId id="258" r:id="rId4"/>
-    <p:sldId id="259" r:id="rId5"/>
+    <p:sldId id="257" r:id="rId2"/>
+    <p:sldId id="258" r:id="rId3"/>
+    <p:sldId id="259" r:id="rId4"/>
+    <p:sldId id="260" r:id="rId5"/>
+    <p:sldId id="262" r:id="rId6"/>
+    <p:sldId id="263" r:id="rId7"/>
   </p:sldIdLst>
   <p:sldSz cx="12192000" cy="6858000"/>
   <p:notesSz cx="6858000" cy="9144000"/>
@@ -107,6 +109,11 @@
       </a:defRPr>
     </a:lvl9pPr>
   </p:defaultTextStyle>
+  <p:extLst>
+    <p:ext uri="{EFAFB233-063F-42B5-8137-9DF3F51BA10A}">
+      <p15:sldGuideLst xmlns:p15="http://schemas.microsoft.com/office/powerpoint/2012/main"/>
+    </p:ext>
+  </p:extLst>
 </p:presentation>
 </file>
 
@@ -239,9 +246,9 @@
           <a:bodyPr/>
           <a:lstStyle/>
           <a:p>
-            <a:fld id="{61E26457-814D-4E57-B61E-9335635DC3D6}" type="datetimeFigureOut">
-              <a:rPr kumimoji="1" lang="ja-JP" altLang="en-US" smtClean="0"/>
-              <a:t>2020/10/14</a:t>
+            <a:fld id="{CE34886D-DDE4-4BEC-B081-888734F90A46}" type="datetimeFigureOut">
+              <a:rPr kumimoji="1" lang="ja-JP" altLang="en-US" smtClean="0"/>
+              <a:t>2020/11/6</a:t>
             </a:fld>
             <a:endParaRPr kumimoji="1" lang="ja-JP" altLang="en-US"/>
           </a:p>
@@ -281,7 +288,7 @@
           <a:bodyPr/>
           <a:lstStyle/>
           <a:p>
-            <a:fld id="{4F3B4805-89CB-40F7-AD4A-253DFFD4CABD}" type="slidenum">
+            <a:fld id="{E9F61B73-E6EB-409A-8B03-F5AF79800B2B}" type="slidenum">
               <a:rPr kumimoji="1" lang="ja-JP" altLang="en-US" smtClean="0"/>
               <a:t>‹#›</a:t>
             </a:fld>
@@ -292,7 +299,7 @@
     </p:spTree>
     <p:extLst>
       <p:ext uri="{BB962C8B-B14F-4D97-AF65-F5344CB8AC3E}">
-        <p14:creationId xmlns:p14="http://schemas.microsoft.com/office/powerpoint/2010/main" val="593701194"/>
+        <p14:creationId xmlns:p14="http://schemas.microsoft.com/office/powerpoint/2010/main" val="673313000"/>
       </p:ext>
     </p:extLst>
   </p:cSld>
@@ -441,9 +448,9 @@
           <a:bodyPr/>
           <a:lstStyle/>
           <a:p>
-            <a:fld id="{61E26457-814D-4E57-B61E-9335635DC3D6}" type="datetimeFigureOut">
-              <a:rPr kumimoji="1" lang="ja-JP" altLang="en-US" smtClean="0"/>
-              <a:t>2020/10/14</a:t>
+            <a:fld id="{CE34886D-DDE4-4BEC-B081-888734F90A46}" type="datetimeFigureOut">
+              <a:rPr kumimoji="1" lang="ja-JP" altLang="en-US" smtClean="0"/>
+              <a:t>2020/11/6</a:t>
             </a:fld>
             <a:endParaRPr kumimoji="1" lang="ja-JP" altLang="en-US"/>
           </a:p>
@@ -483,7 +490,7 @@
           <a:bodyPr/>
           <a:lstStyle/>
           <a:p>
-            <a:fld id="{4F3B4805-89CB-40F7-AD4A-253DFFD4CABD}" type="slidenum">
+            <a:fld id="{E9F61B73-E6EB-409A-8B03-F5AF79800B2B}" type="slidenum">
               <a:rPr kumimoji="1" lang="ja-JP" altLang="en-US" smtClean="0"/>
               <a:t>‹#›</a:t>
             </a:fld>
@@ -494,7 +501,7 @@
     </p:spTree>
     <p:extLst>
       <p:ext uri="{BB962C8B-B14F-4D97-AF65-F5344CB8AC3E}">
-        <p14:creationId xmlns:p14="http://schemas.microsoft.com/office/powerpoint/2010/main" val="1634046818"/>
+        <p14:creationId xmlns:p14="http://schemas.microsoft.com/office/powerpoint/2010/main" val="2776056237"/>
       </p:ext>
     </p:extLst>
   </p:cSld>
@@ -653,9 +660,9 @@
           <a:bodyPr/>
           <a:lstStyle/>
           <a:p>
-            <a:fld id="{61E26457-814D-4E57-B61E-9335635DC3D6}" type="datetimeFigureOut">
-              <a:rPr kumimoji="1" lang="ja-JP" altLang="en-US" smtClean="0"/>
-              <a:t>2020/10/14</a:t>
+            <a:fld id="{CE34886D-DDE4-4BEC-B081-888734F90A46}" type="datetimeFigureOut">
+              <a:rPr kumimoji="1" lang="ja-JP" altLang="en-US" smtClean="0"/>
+              <a:t>2020/11/6</a:t>
             </a:fld>
             <a:endParaRPr kumimoji="1" lang="ja-JP" altLang="en-US"/>
           </a:p>
@@ -695,7 +702,7 @@
           <a:bodyPr/>
           <a:lstStyle/>
           <a:p>
-            <a:fld id="{4F3B4805-89CB-40F7-AD4A-253DFFD4CABD}" type="slidenum">
+            <a:fld id="{E9F61B73-E6EB-409A-8B03-F5AF79800B2B}" type="slidenum">
               <a:rPr kumimoji="1" lang="ja-JP" altLang="en-US" smtClean="0"/>
               <a:t>‹#›</a:t>
             </a:fld>
@@ -706,7 +713,7 @@
     </p:spTree>
     <p:extLst>
       <p:ext uri="{BB962C8B-B14F-4D97-AF65-F5344CB8AC3E}">
-        <p14:creationId xmlns:p14="http://schemas.microsoft.com/office/powerpoint/2010/main" val="4162695666"/>
+        <p14:creationId xmlns:p14="http://schemas.microsoft.com/office/powerpoint/2010/main" val="4098664719"/>
       </p:ext>
     </p:extLst>
   </p:cSld>
@@ -855,9 +862,9 @@
           <a:bodyPr/>
           <a:lstStyle/>
           <a:p>
-            <a:fld id="{61E26457-814D-4E57-B61E-9335635DC3D6}" type="datetimeFigureOut">
-              <a:rPr kumimoji="1" lang="ja-JP" altLang="en-US" smtClean="0"/>
-              <a:t>2020/10/14</a:t>
+            <a:fld id="{CE34886D-DDE4-4BEC-B081-888734F90A46}" type="datetimeFigureOut">
+              <a:rPr kumimoji="1" lang="ja-JP" altLang="en-US" smtClean="0"/>
+              <a:t>2020/11/6</a:t>
             </a:fld>
             <a:endParaRPr kumimoji="1" lang="ja-JP" altLang="en-US"/>
           </a:p>
@@ -897,7 +904,7 @@
           <a:bodyPr/>
           <a:lstStyle/>
           <a:p>
-            <a:fld id="{4F3B4805-89CB-40F7-AD4A-253DFFD4CABD}" type="slidenum">
+            <a:fld id="{E9F61B73-E6EB-409A-8B03-F5AF79800B2B}" type="slidenum">
               <a:rPr kumimoji="1" lang="ja-JP" altLang="en-US" smtClean="0"/>
               <a:t>‹#›</a:t>
             </a:fld>
@@ -908,7 +915,7 @@
     </p:spTree>
     <p:extLst>
       <p:ext uri="{BB962C8B-B14F-4D97-AF65-F5344CB8AC3E}">
-        <p14:creationId xmlns:p14="http://schemas.microsoft.com/office/powerpoint/2010/main" val="3884890016"/>
+        <p14:creationId xmlns:p14="http://schemas.microsoft.com/office/powerpoint/2010/main" val="2312709528"/>
       </p:ext>
     </p:extLst>
   </p:cSld>
@@ -1101,9 +1108,9 @@
           <a:bodyPr/>
           <a:lstStyle/>
           <a:p>
-            <a:fld id="{61E26457-814D-4E57-B61E-9335635DC3D6}" type="datetimeFigureOut">
-              <a:rPr kumimoji="1" lang="ja-JP" altLang="en-US" smtClean="0"/>
-              <a:t>2020/10/14</a:t>
+            <a:fld id="{CE34886D-DDE4-4BEC-B081-888734F90A46}" type="datetimeFigureOut">
+              <a:rPr kumimoji="1" lang="ja-JP" altLang="en-US" smtClean="0"/>
+              <a:t>2020/11/6</a:t>
             </a:fld>
             <a:endParaRPr kumimoji="1" lang="ja-JP" altLang="en-US"/>
           </a:p>
@@ -1143,7 +1150,7 @@
           <a:bodyPr/>
           <a:lstStyle/>
           <a:p>
-            <a:fld id="{4F3B4805-89CB-40F7-AD4A-253DFFD4CABD}" type="slidenum">
+            <a:fld id="{E9F61B73-E6EB-409A-8B03-F5AF79800B2B}" type="slidenum">
               <a:rPr kumimoji="1" lang="ja-JP" altLang="en-US" smtClean="0"/>
               <a:t>‹#›</a:t>
             </a:fld>
@@ -1154,7 +1161,7 @@
     </p:spTree>
     <p:extLst>
       <p:ext uri="{BB962C8B-B14F-4D97-AF65-F5344CB8AC3E}">
-        <p14:creationId xmlns:p14="http://schemas.microsoft.com/office/powerpoint/2010/main" val="2488289770"/>
+        <p14:creationId xmlns:p14="http://schemas.microsoft.com/office/powerpoint/2010/main" val="4066479865"/>
       </p:ext>
     </p:extLst>
   </p:cSld>
@@ -1397,9 +1404,9 @@
           <a:bodyPr/>
           <a:lstStyle/>
           <a:p>
-            <a:fld id="{61E26457-814D-4E57-B61E-9335635DC3D6}" type="datetimeFigureOut">
-              <a:rPr kumimoji="1" lang="ja-JP" altLang="en-US" smtClean="0"/>
-              <a:t>2020/10/14</a:t>
+            <a:fld id="{CE34886D-DDE4-4BEC-B081-888734F90A46}" type="datetimeFigureOut">
+              <a:rPr kumimoji="1" lang="ja-JP" altLang="en-US" smtClean="0"/>
+              <a:t>2020/11/6</a:t>
             </a:fld>
             <a:endParaRPr kumimoji="1" lang="ja-JP" altLang="en-US"/>
           </a:p>
@@ -1439,7 +1446,7 @@
           <a:bodyPr/>
           <a:lstStyle/>
           <a:p>
-            <a:fld id="{4F3B4805-89CB-40F7-AD4A-253DFFD4CABD}" type="slidenum">
+            <a:fld id="{E9F61B73-E6EB-409A-8B03-F5AF79800B2B}" type="slidenum">
               <a:rPr kumimoji="1" lang="ja-JP" altLang="en-US" smtClean="0"/>
               <a:t>‹#›</a:t>
             </a:fld>
@@ -1450,7 +1457,7 @@
     </p:spTree>
     <p:extLst>
       <p:ext uri="{BB962C8B-B14F-4D97-AF65-F5344CB8AC3E}">
-        <p14:creationId xmlns:p14="http://schemas.microsoft.com/office/powerpoint/2010/main" val="1734623066"/>
+        <p14:creationId xmlns:p14="http://schemas.microsoft.com/office/powerpoint/2010/main" val="2469687629"/>
       </p:ext>
     </p:extLst>
   </p:cSld>
@@ -1828,9 +1835,9 @@
           <a:bodyPr/>
           <a:lstStyle/>
           <a:p>
-            <a:fld id="{61E26457-814D-4E57-B61E-9335635DC3D6}" type="datetimeFigureOut">
-              <a:rPr kumimoji="1" lang="ja-JP" altLang="en-US" smtClean="0"/>
-              <a:t>2020/10/14</a:t>
+            <a:fld id="{CE34886D-DDE4-4BEC-B081-888734F90A46}" type="datetimeFigureOut">
+              <a:rPr kumimoji="1" lang="ja-JP" altLang="en-US" smtClean="0"/>
+              <a:t>2020/11/6</a:t>
             </a:fld>
             <a:endParaRPr kumimoji="1" lang="ja-JP" altLang="en-US"/>
           </a:p>
@@ -1870,7 +1877,7 @@
           <a:bodyPr/>
           <a:lstStyle/>
           <a:p>
-            <a:fld id="{4F3B4805-89CB-40F7-AD4A-253DFFD4CABD}" type="slidenum">
+            <a:fld id="{E9F61B73-E6EB-409A-8B03-F5AF79800B2B}" type="slidenum">
               <a:rPr kumimoji="1" lang="ja-JP" altLang="en-US" smtClean="0"/>
               <a:t>‹#›</a:t>
             </a:fld>
@@ -1881,7 +1888,7 @@
     </p:spTree>
     <p:extLst>
       <p:ext uri="{BB962C8B-B14F-4D97-AF65-F5344CB8AC3E}">
-        <p14:creationId xmlns:p14="http://schemas.microsoft.com/office/powerpoint/2010/main" val="4095017004"/>
+        <p14:creationId xmlns:p14="http://schemas.microsoft.com/office/powerpoint/2010/main" val="3499252645"/>
       </p:ext>
     </p:extLst>
   </p:cSld>
@@ -1946,9 +1953,9 @@
           <a:bodyPr/>
           <a:lstStyle/>
           <a:p>
-            <a:fld id="{61E26457-814D-4E57-B61E-9335635DC3D6}" type="datetimeFigureOut">
-              <a:rPr kumimoji="1" lang="ja-JP" altLang="en-US" smtClean="0"/>
-              <a:t>2020/10/14</a:t>
+            <a:fld id="{CE34886D-DDE4-4BEC-B081-888734F90A46}" type="datetimeFigureOut">
+              <a:rPr kumimoji="1" lang="ja-JP" altLang="en-US" smtClean="0"/>
+              <a:t>2020/11/6</a:t>
             </a:fld>
             <a:endParaRPr kumimoji="1" lang="ja-JP" altLang="en-US"/>
           </a:p>
@@ -1988,7 +1995,7 @@
           <a:bodyPr/>
           <a:lstStyle/>
           <a:p>
-            <a:fld id="{4F3B4805-89CB-40F7-AD4A-253DFFD4CABD}" type="slidenum">
+            <a:fld id="{E9F61B73-E6EB-409A-8B03-F5AF79800B2B}" type="slidenum">
               <a:rPr kumimoji="1" lang="ja-JP" altLang="en-US" smtClean="0"/>
               <a:t>‹#›</a:t>
             </a:fld>
@@ -1999,7 +2006,7 @@
     </p:spTree>
     <p:extLst>
       <p:ext uri="{BB962C8B-B14F-4D97-AF65-F5344CB8AC3E}">
-        <p14:creationId xmlns:p14="http://schemas.microsoft.com/office/powerpoint/2010/main" val="1556504771"/>
+        <p14:creationId xmlns:p14="http://schemas.microsoft.com/office/powerpoint/2010/main" val="407128475"/>
       </p:ext>
     </p:extLst>
   </p:cSld>
@@ -2041,9 +2048,9 @@
           <a:bodyPr/>
           <a:lstStyle/>
           <a:p>
-            <a:fld id="{61E26457-814D-4E57-B61E-9335635DC3D6}" type="datetimeFigureOut">
-              <a:rPr kumimoji="1" lang="ja-JP" altLang="en-US" smtClean="0"/>
-              <a:t>2020/10/14</a:t>
+            <a:fld id="{CE34886D-DDE4-4BEC-B081-888734F90A46}" type="datetimeFigureOut">
+              <a:rPr kumimoji="1" lang="ja-JP" altLang="en-US" smtClean="0"/>
+              <a:t>2020/11/6</a:t>
             </a:fld>
             <a:endParaRPr kumimoji="1" lang="ja-JP" altLang="en-US"/>
           </a:p>
@@ -2083,7 +2090,7 @@
           <a:bodyPr/>
           <a:lstStyle/>
           <a:p>
-            <a:fld id="{4F3B4805-89CB-40F7-AD4A-253DFFD4CABD}" type="slidenum">
+            <a:fld id="{E9F61B73-E6EB-409A-8B03-F5AF79800B2B}" type="slidenum">
               <a:rPr kumimoji="1" lang="ja-JP" altLang="en-US" smtClean="0"/>
               <a:t>‹#›</a:t>
             </a:fld>
@@ -2094,7 +2101,7 @@
     </p:spTree>
     <p:extLst>
       <p:ext uri="{BB962C8B-B14F-4D97-AF65-F5344CB8AC3E}">
-        <p14:creationId xmlns:p14="http://schemas.microsoft.com/office/powerpoint/2010/main" val="1342234401"/>
+        <p14:creationId xmlns:p14="http://schemas.microsoft.com/office/powerpoint/2010/main" val="1594827741"/>
       </p:ext>
     </p:extLst>
   </p:cSld>
@@ -2350,9 +2357,9 @@
           <a:bodyPr/>
           <a:lstStyle/>
           <a:p>
-            <a:fld id="{61E26457-814D-4E57-B61E-9335635DC3D6}" type="datetimeFigureOut">
-              <a:rPr kumimoji="1" lang="ja-JP" altLang="en-US" smtClean="0"/>
-              <a:t>2020/10/14</a:t>
+            <a:fld id="{CE34886D-DDE4-4BEC-B081-888734F90A46}" type="datetimeFigureOut">
+              <a:rPr kumimoji="1" lang="ja-JP" altLang="en-US" smtClean="0"/>
+              <a:t>2020/11/6</a:t>
             </a:fld>
             <a:endParaRPr kumimoji="1" lang="ja-JP" altLang="en-US"/>
           </a:p>
@@ -2392,7 +2399,7 @@
           <a:bodyPr/>
           <a:lstStyle/>
           <a:p>
-            <a:fld id="{4F3B4805-89CB-40F7-AD4A-253DFFD4CABD}" type="slidenum">
+            <a:fld id="{E9F61B73-E6EB-409A-8B03-F5AF79800B2B}" type="slidenum">
               <a:rPr kumimoji="1" lang="ja-JP" altLang="en-US" smtClean="0"/>
               <a:t>‹#›</a:t>
             </a:fld>
@@ -2403,7 +2410,7 @@
     </p:spTree>
     <p:extLst>
       <p:ext uri="{BB962C8B-B14F-4D97-AF65-F5344CB8AC3E}">
-        <p14:creationId xmlns:p14="http://schemas.microsoft.com/office/powerpoint/2010/main" val="1742050541"/>
+        <p14:creationId xmlns:p14="http://schemas.microsoft.com/office/powerpoint/2010/main" val="18802691"/>
       </p:ext>
     </p:extLst>
   </p:cSld>
@@ -2603,9 +2610,9 @@
           <a:bodyPr/>
           <a:lstStyle/>
           <a:p>
-            <a:fld id="{61E26457-814D-4E57-B61E-9335635DC3D6}" type="datetimeFigureOut">
-              <a:rPr kumimoji="1" lang="ja-JP" altLang="en-US" smtClean="0"/>
-              <a:t>2020/10/14</a:t>
+            <a:fld id="{CE34886D-DDE4-4BEC-B081-888734F90A46}" type="datetimeFigureOut">
+              <a:rPr kumimoji="1" lang="ja-JP" altLang="en-US" smtClean="0"/>
+              <a:t>2020/11/6</a:t>
             </a:fld>
             <a:endParaRPr kumimoji="1" lang="ja-JP" altLang="en-US"/>
           </a:p>
@@ -2645,7 +2652,7 @@
           <a:bodyPr/>
           <a:lstStyle/>
           <a:p>
-            <a:fld id="{4F3B4805-89CB-40F7-AD4A-253DFFD4CABD}" type="slidenum">
+            <a:fld id="{E9F61B73-E6EB-409A-8B03-F5AF79800B2B}" type="slidenum">
               <a:rPr kumimoji="1" lang="ja-JP" altLang="en-US" smtClean="0"/>
               <a:t>‹#›</a:t>
             </a:fld>
@@ -2656,7 +2663,7 @@
     </p:spTree>
     <p:extLst>
       <p:ext uri="{BB962C8B-B14F-4D97-AF65-F5344CB8AC3E}">
-        <p14:creationId xmlns:p14="http://schemas.microsoft.com/office/powerpoint/2010/main" val="3617133879"/>
+        <p14:creationId xmlns:p14="http://schemas.microsoft.com/office/powerpoint/2010/main" val="2594051586"/>
       </p:ext>
     </p:extLst>
   </p:cSld>
@@ -2670,9 +2677,19 @@
 <p:sldMaster xmlns:a="http://schemas.openxmlformats.org/drawingml/2006/main" xmlns:r="http://schemas.openxmlformats.org/officeDocument/2006/relationships" xmlns:p="http://schemas.openxmlformats.org/presentationml/2006/main">
   <p:cSld>
     <p:bg>
-      <p:bgRef idx="1001">
-        <a:schemeClr val="bg1"/>
-      </p:bgRef>
+      <p:bgPr>
+        <a:blipFill dpi="0" rotWithShape="1">
+          <a:blip r:embed="rId13">
+            <a:alphaModFix amt="26000"/>
+            <a:lum/>
+          </a:blip>
+          <a:srcRect/>
+          <a:stretch>
+            <a:fillRect l="-16000" r="-16000"/>
+          </a:stretch>
+        </a:blipFill>
+        <a:effectLst/>
+      </p:bgPr>
     </p:bg>
     <p:spTree>
       <p:nvGrpSpPr>
@@ -2848,9 +2865,9 @@
             </a:lvl1pPr>
           </a:lstStyle>
           <a:p>
-            <a:fld id="{61E26457-814D-4E57-B61E-9335635DC3D6}" type="datetimeFigureOut">
-              <a:rPr kumimoji="1" lang="ja-JP" altLang="en-US" smtClean="0"/>
-              <a:t>2020/10/14</a:t>
+            <a:fld id="{CE34886D-DDE4-4BEC-B081-888734F90A46}" type="datetimeFigureOut">
+              <a:rPr kumimoji="1" lang="ja-JP" altLang="en-US" smtClean="0"/>
+              <a:t>2020/11/6</a:t>
             </a:fld>
             <a:endParaRPr kumimoji="1" lang="ja-JP" altLang="en-US"/>
           </a:p>
@@ -2926,7 +2943,7 @@
             </a:lvl1pPr>
           </a:lstStyle>
           <a:p>
-            <a:fld id="{4F3B4805-89CB-40F7-AD4A-253DFFD4CABD}" type="slidenum">
+            <a:fld id="{E9F61B73-E6EB-409A-8B03-F5AF79800B2B}" type="slidenum">
               <a:rPr kumimoji="1" lang="ja-JP" altLang="en-US" smtClean="0"/>
               <a:t>‹#›</a:t>
             </a:fld>
@@ -2937,7 +2954,7 @@
     </p:spTree>
     <p:extLst>
       <p:ext uri="{BB962C8B-B14F-4D97-AF65-F5344CB8AC3E}">
-        <p14:creationId xmlns:p14="http://schemas.microsoft.com/office/powerpoint/2010/main" val="2968209158"/>
+        <p14:creationId xmlns:p14="http://schemas.microsoft.com/office/powerpoint/2010/main" val="305784184"/>
       </p:ext>
     </p:extLst>
   </p:cSld>
@@ -3265,48 +3282,243 @@
             <p:ph type="ctrTitle"/>
           </p:nvPr>
         </p:nvSpPr>
-        <p:spPr/>
-        <p:txBody>
-          <a:bodyPr/>
-          <a:lstStyle/>
-          <a:p>
-            <a:r>
-              <a:rPr kumimoji="1" lang="ja-JP" altLang="en-US" dirty="0" smtClean="0"/>
-              <a:t>チーム製作企画書</a:t>
-            </a:r>
+        <p:spPr>
+          <a:xfrm>
+            <a:off x="2718484" y="3748216"/>
+            <a:ext cx="6260757" cy="964471"/>
+          </a:xfrm>
+        </p:spPr>
+        <p:txBody>
+          <a:bodyPr>
+            <a:normAutofit fontScale="90000"/>
+          </a:bodyPr>
+          <a:lstStyle/>
+          <a:p>
+            <a:r>
+              <a:rPr kumimoji="1" lang="ja-JP" altLang="en-US" b="1" dirty="0" smtClean="0">
+                <a:latin typeface="源界明朝" panose="02000900000000000000" pitchFamily="2" charset="-128"/>
+                <a:ea typeface="源界明朝" panose="02000900000000000000" pitchFamily="2" charset="-128"/>
+              </a:rPr>
+              <a:t>チーム制作企画書</a:t>
+            </a:r>
+            <a:endParaRPr kumimoji="1" lang="ja-JP" altLang="en-US" b="1" dirty="0">
+              <a:latin typeface="源界明朝" panose="02000900000000000000" pitchFamily="2" charset="-128"/>
+              <a:ea typeface="源界明朝" panose="02000900000000000000" pitchFamily="2" charset="-128"/>
+            </a:endParaRPr>
+          </a:p>
+        </p:txBody>
+      </p:sp>
+      <p:sp>
+        <p:nvSpPr>
+          <p:cNvPr id="3" name="サブタイトル 2"/>
+          <p:cNvSpPr>
+            <a:spLocks noGrp="1"/>
+          </p:cNvSpPr>
+          <p:nvPr>
+            <p:ph type="subTitle" idx="1"/>
+          </p:nvPr>
+        </p:nvSpPr>
+        <p:spPr>
+          <a:xfrm>
+            <a:off x="2627870" y="712574"/>
+            <a:ext cx="6582032" cy="409789"/>
+          </a:xfrm>
+        </p:spPr>
+        <p:txBody>
+          <a:bodyPr>
+            <a:normAutofit lnSpcReduction="10000"/>
+          </a:bodyPr>
+          <a:lstStyle/>
+          <a:p>
+            <a:r>
+              <a:rPr lang="en-US" altLang="ja-JP" b="1" dirty="0">
+                <a:latin typeface="装甲明朝" panose="02000600000000000000" pitchFamily="2" charset="-128"/>
+                <a:ea typeface="装甲明朝" panose="02000600000000000000" pitchFamily="2" charset="-128"/>
+              </a:rPr>
+              <a:t>3DTPS</a:t>
+            </a:r>
+            <a:r>
+              <a:rPr lang="ja-JP" altLang="en-US" b="1" dirty="0">
+                <a:latin typeface="装甲明朝" panose="02000600000000000000" pitchFamily="2" charset="-128"/>
+                <a:ea typeface="装甲明朝" panose="02000600000000000000" pitchFamily="2" charset="-128"/>
+              </a:rPr>
+              <a:t>型ロボットアクションシューティング</a:t>
+            </a:r>
+            <a:endParaRPr lang="en-US" altLang="ja-JP" b="1" dirty="0">
+              <a:latin typeface="装甲明朝" panose="02000600000000000000" pitchFamily="2" charset="-128"/>
+              <a:ea typeface="装甲明朝" panose="02000600000000000000" pitchFamily="2" charset="-128"/>
+            </a:endParaRPr>
+          </a:p>
+          <a:p>
+            <a:endParaRPr lang="en-US" altLang="ja-JP" dirty="0"/>
+          </a:p>
+          <a:p>
             <a:endParaRPr kumimoji="1" lang="ja-JP" altLang="en-US" dirty="0"/>
           </a:p>
         </p:txBody>
       </p:sp>
       <p:sp>
         <p:nvSpPr>
-          <p:cNvPr id="3" name="サブタイトル 2"/>
-          <p:cNvSpPr>
-            <a:spLocks noGrp="1"/>
-          </p:cNvSpPr>
-          <p:nvPr>
-            <p:ph type="subTitle" idx="1"/>
-          </p:nvPr>
-        </p:nvSpPr>
-        <p:spPr/>
-        <p:txBody>
-          <a:bodyPr/>
-          <a:lstStyle/>
-          <a:p>
-            <a:endParaRPr kumimoji="1" lang="ja-JP" altLang="en-US" dirty="0"/>
+          <p:cNvPr id="4" name="テキスト ボックス 3"/>
+          <p:cNvSpPr txBox="1"/>
+          <p:nvPr/>
+        </p:nvSpPr>
+        <p:spPr>
+          <a:xfrm>
+            <a:off x="2557847" y="1326292"/>
+            <a:ext cx="7261656" cy="769441"/>
+          </a:xfrm>
+          <a:prstGeom prst="rect">
+            <a:avLst/>
+          </a:prstGeom>
+          <a:noFill/>
+        </p:spPr>
+        <p:txBody>
+          <a:bodyPr wrap="square" rtlCol="0">
+            <a:spAutoFit/>
+          </a:bodyPr>
+          <a:lstStyle/>
+          <a:p>
+            <a:r>
+              <a:rPr lang="ja-JP" altLang="en-US" sz="4400" b="1" dirty="0">
+                <a:latin typeface="装甲明朝" panose="02000600000000000000" pitchFamily="2" charset="-128"/>
+                <a:ea typeface="装甲明朝" panose="02000600000000000000" pitchFamily="2" charset="-128"/>
+              </a:rPr>
+              <a:t>電脳</a:t>
+            </a:r>
+            <a:r>
+              <a:rPr lang="ja-JP" altLang="en-US" sz="4400" b="1" dirty="0" smtClean="0">
+                <a:latin typeface="装甲明朝" panose="02000600000000000000" pitchFamily="2" charset="-128"/>
+                <a:ea typeface="装甲明朝" panose="02000600000000000000" pitchFamily="2" charset="-128"/>
+              </a:rPr>
+              <a:t>戦機バーチャロン（仮</a:t>
+            </a:r>
+            <a:endParaRPr kumimoji="1" lang="ja-JP" altLang="en-US" sz="4400" b="1" dirty="0">
+              <a:latin typeface="装甲明朝" panose="02000600000000000000" pitchFamily="2" charset="-128"/>
+              <a:ea typeface="装甲明朝" panose="02000600000000000000" pitchFamily="2" charset="-128"/>
+            </a:endParaRPr>
+          </a:p>
+        </p:txBody>
+      </p:sp>
+      <p:sp>
+        <p:nvSpPr>
+          <p:cNvPr id="5" name="テキスト ボックス 4"/>
+          <p:cNvSpPr txBox="1"/>
+          <p:nvPr/>
+        </p:nvSpPr>
+        <p:spPr>
+          <a:xfrm>
+            <a:off x="3245709" y="5321643"/>
+            <a:ext cx="2940908" cy="646331"/>
+          </a:xfrm>
+          <a:prstGeom prst="rect">
+            <a:avLst/>
+          </a:prstGeom>
+          <a:noFill/>
+        </p:spPr>
+        <p:txBody>
+          <a:bodyPr wrap="square" rtlCol="0">
+            <a:spAutoFit/>
+          </a:bodyPr>
+          <a:lstStyle/>
+          <a:p>
+            <a:r>
+              <a:rPr lang="ja-JP" altLang="en-US" b="1" dirty="0">
+                <a:latin typeface="源界明朝" panose="02000900000000000000" pitchFamily="2" charset="-128"/>
+                <a:ea typeface="源界明朝" panose="02000900000000000000" pitchFamily="2" charset="-128"/>
+              </a:rPr>
+              <a:t>プラットフォーム　</a:t>
+            </a:r>
+            <a:r>
+              <a:rPr lang="en-US" altLang="ja-JP" b="1" dirty="0" smtClean="0">
+                <a:latin typeface="源界明朝" panose="02000900000000000000" pitchFamily="2" charset="-128"/>
+                <a:ea typeface="源界明朝" panose="02000900000000000000" pitchFamily="2" charset="-128"/>
+              </a:rPr>
+              <a:t>PC</a:t>
+            </a:r>
+            <a:endParaRPr lang="en-US" altLang="ja-JP" b="1" dirty="0">
+              <a:latin typeface="源界明朝" panose="02000900000000000000" pitchFamily="2" charset="-128"/>
+              <a:ea typeface="源界明朝" panose="02000900000000000000" pitchFamily="2" charset="-128"/>
+            </a:endParaRPr>
+          </a:p>
+          <a:p>
+            <a:r>
+              <a:rPr lang="ja-JP" altLang="en-US" b="1" dirty="0">
+                <a:latin typeface="源界明朝" panose="02000900000000000000" pitchFamily="2" charset="-128"/>
+                <a:ea typeface="源界明朝" panose="02000900000000000000" pitchFamily="2" charset="-128"/>
+              </a:rPr>
+              <a:t>使用</a:t>
+            </a:r>
+            <a:r>
+              <a:rPr lang="ja-JP" altLang="en-US" b="1" dirty="0" smtClean="0">
+                <a:latin typeface="源界明朝" panose="02000900000000000000" pitchFamily="2" charset="-128"/>
+                <a:ea typeface="源界明朝" panose="02000900000000000000" pitchFamily="2" charset="-128"/>
+              </a:rPr>
+              <a:t>言語　</a:t>
+            </a:r>
+            <a:r>
+              <a:rPr lang="en-US" altLang="ja-JP" b="1" dirty="0" smtClean="0">
+                <a:latin typeface="源界明朝" panose="02000900000000000000" pitchFamily="2" charset="-128"/>
+                <a:ea typeface="源界明朝" panose="02000900000000000000" pitchFamily="2" charset="-128"/>
+              </a:rPr>
+              <a:t>C++</a:t>
+            </a:r>
+          </a:p>
+        </p:txBody>
+      </p:sp>
+      <p:sp>
+        <p:nvSpPr>
+          <p:cNvPr id="6" name="テキスト ボックス 5"/>
+          <p:cNvSpPr txBox="1"/>
+          <p:nvPr/>
+        </p:nvSpPr>
+        <p:spPr>
+          <a:xfrm>
+            <a:off x="387178" y="5371070"/>
+            <a:ext cx="2092411" cy="369332"/>
+          </a:xfrm>
+          <a:prstGeom prst="rect">
+            <a:avLst/>
+          </a:prstGeom>
+          <a:noFill/>
+        </p:spPr>
+        <p:txBody>
+          <a:bodyPr wrap="square" rtlCol="0">
+            <a:spAutoFit/>
+          </a:bodyPr>
+          <a:lstStyle/>
+          <a:p>
+            <a:r>
+              <a:rPr kumimoji="1" lang="ja-JP" altLang="en-US" dirty="0" smtClean="0">
+                <a:latin typeface="装甲明朝" panose="02000600000000000000" pitchFamily="2" charset="-128"/>
+                <a:ea typeface="装甲明朝" panose="02000600000000000000" pitchFamily="2" charset="-128"/>
+              </a:rPr>
+              <a:t>企画　内山　勇輝</a:t>
+            </a:r>
+            <a:endParaRPr kumimoji="1" lang="ja-JP" altLang="en-US" dirty="0">
+              <a:latin typeface="装甲明朝" panose="02000600000000000000" pitchFamily="2" charset="-128"/>
+              <a:ea typeface="装甲明朝" panose="02000600000000000000" pitchFamily="2" charset="-128"/>
+            </a:endParaRPr>
           </a:p>
         </p:txBody>
       </p:sp>
     </p:spTree>
     <p:extLst>
       <p:ext uri="{BB962C8B-B14F-4D97-AF65-F5344CB8AC3E}">
-        <p14:creationId xmlns:p14="http://schemas.microsoft.com/office/powerpoint/2010/main" val="1482851566"/>
+        <p14:creationId xmlns:p14="http://schemas.microsoft.com/office/powerpoint/2010/main" val="1553881626"/>
       </p:ext>
     </p:extLst>
   </p:cSld>
   <p:clrMapOvr>
     <a:masterClrMapping/>
   </p:clrMapOvr>
+  <p:timing>
+    <p:tnLst>
+      <p:par>
+        <p:cTn id="1" dur="indefinite" restart="never" nodeType="tmRoot"/>
+      </p:par>
+    </p:tnLst>
+  </p:timing>
 </p:sld>
 </file>
 
@@ -3337,16 +3549,27 @@
             <p:ph type="title"/>
           </p:nvPr>
         </p:nvSpPr>
-        <p:spPr/>
+        <p:spPr>
+          <a:xfrm>
+            <a:off x="0" y="0"/>
+            <a:ext cx="10515600" cy="1325563"/>
+          </a:xfrm>
+        </p:spPr>
         <p:txBody>
           <a:bodyPr/>
           <a:lstStyle/>
           <a:p>
             <a:r>
-              <a:rPr kumimoji="1" lang="ja-JP" altLang="en-US" dirty="0" smtClean="0"/>
-              <a:t>作品概要</a:t>
-            </a:r>
-            <a:endParaRPr kumimoji="1" lang="ja-JP" altLang="en-US" dirty="0"/>
+              <a:rPr kumimoji="1" lang="ja-JP" altLang="en-US" b="1" dirty="0" smtClean="0">
+                <a:latin typeface="装甲明朝" panose="02000600000000000000" pitchFamily="2" charset="-128"/>
+                <a:ea typeface="装甲明朝" panose="02000600000000000000" pitchFamily="2" charset="-128"/>
+              </a:rPr>
+              <a:t>コンセプト</a:t>
+            </a:r>
+            <a:endParaRPr kumimoji="1" lang="ja-JP" altLang="en-US" b="1" dirty="0">
+              <a:latin typeface="装甲明朝" panose="02000600000000000000" pitchFamily="2" charset="-128"/>
+              <a:ea typeface="装甲明朝" panose="02000600000000000000" pitchFamily="2" charset="-128"/>
+            </a:endParaRPr>
           </a:p>
         </p:txBody>
       </p:sp>
@@ -3360,76 +3583,171 @@
             <p:ph idx="1"/>
           </p:nvPr>
         </p:nvSpPr>
-        <p:spPr/>
-        <p:txBody>
-          <a:bodyPr/>
-          <a:lstStyle/>
-          <a:p>
-            <a:r>
-              <a:rPr kumimoji="1" lang="ja-JP" altLang="en-US" dirty="0" smtClean="0"/>
-              <a:t>タイトル　タイトル未定（仮）</a:t>
-            </a:r>
-            <a:endParaRPr kumimoji="1" lang="en-US" altLang="ja-JP" dirty="0" smtClean="0"/>
-          </a:p>
-          <a:p>
-            <a:endParaRPr kumimoji="1" lang="en-US" altLang="ja-JP" dirty="0" smtClean="0"/>
-          </a:p>
-          <a:p>
-            <a:r>
-              <a:rPr kumimoji="1" lang="ja-JP" altLang="en-US" dirty="0" smtClean="0"/>
-              <a:t>ジャンル　</a:t>
-            </a:r>
-            <a:r>
-              <a:rPr kumimoji="1" lang="en-US" altLang="ja-JP" dirty="0" smtClean="0"/>
-              <a:t>3DTPS</a:t>
-            </a:r>
-            <a:r>
-              <a:rPr kumimoji="1" lang="ja-JP" altLang="en-US" dirty="0" smtClean="0"/>
-              <a:t>型</a:t>
-            </a:r>
-            <a:r>
-              <a:rPr lang="ja-JP" altLang="en-US" dirty="0" smtClean="0"/>
-              <a:t>ロボットアクションシューティング</a:t>
-            </a:r>
-            <a:endParaRPr lang="en-US" altLang="ja-JP" dirty="0" smtClean="0"/>
-          </a:p>
-          <a:p>
-            <a:endParaRPr lang="en-US" altLang="ja-JP" dirty="0" smtClean="0"/>
-          </a:p>
-          <a:p>
-            <a:r>
-              <a:rPr kumimoji="1" lang="ja-JP" altLang="en-US" dirty="0" smtClean="0"/>
-              <a:t>プラットフォーム　</a:t>
-            </a:r>
-            <a:r>
-              <a:rPr kumimoji="1" lang="en-US" altLang="ja-JP" dirty="0" smtClean="0"/>
-              <a:t>PC</a:t>
-            </a:r>
-          </a:p>
-          <a:p>
-            <a:endParaRPr kumimoji="1" lang="en-US" altLang="ja-JP" dirty="0" smtClean="0"/>
-          </a:p>
-          <a:p>
-            <a:endParaRPr kumimoji="1" lang="ja-JP" altLang="en-US" dirty="0"/>
+        <p:spPr>
+          <a:xfrm>
+            <a:off x="0" y="927701"/>
+            <a:ext cx="10515600" cy="4351338"/>
+          </a:xfrm>
+        </p:spPr>
+        <p:txBody>
+          <a:bodyPr>
+            <a:normAutofit/>
+          </a:bodyPr>
+          <a:lstStyle/>
+          <a:p>
+            <a:pPr marL="0" indent="0" algn="ctr">
+              <a:buNone/>
+            </a:pPr>
+            <a:r>
+              <a:rPr kumimoji="1" lang="ja-JP" altLang="en-US" sz="3600" b="1" dirty="0" smtClean="0">
+                <a:latin typeface="装甲明朝" panose="02000600000000000000" pitchFamily="2" charset="-128"/>
+                <a:ea typeface="装甲明朝" panose="02000600000000000000" pitchFamily="2" charset="-128"/>
+              </a:rPr>
+              <a:t>ロボットに乗り込み</a:t>
+            </a:r>
+            <a:r>
+              <a:rPr kumimoji="1" lang="en-US" altLang="ja-JP" sz="3600" b="1" dirty="0" smtClean="0">
+                <a:latin typeface="装甲明朝" panose="02000600000000000000" pitchFamily="2" charset="-128"/>
+                <a:ea typeface="装甲明朝" panose="02000600000000000000" pitchFamily="2" charset="-128"/>
+              </a:rPr>
+              <a:t>1VS1</a:t>
+            </a:r>
+            <a:r>
+              <a:rPr kumimoji="1" lang="ja-JP" altLang="en-US" sz="3600" b="1" dirty="0" smtClean="0">
+                <a:latin typeface="装甲明朝" panose="02000600000000000000" pitchFamily="2" charset="-128"/>
+                <a:ea typeface="装甲明朝" panose="02000600000000000000" pitchFamily="2" charset="-128"/>
+              </a:rPr>
+              <a:t>で真剣勝負を挑むゲーム</a:t>
+            </a:r>
+            <a:endParaRPr kumimoji="1" lang="en-US" altLang="ja-JP" sz="3600" b="1" dirty="0" smtClean="0">
+              <a:latin typeface="装甲明朝" panose="02000600000000000000" pitchFamily="2" charset="-128"/>
+              <a:ea typeface="装甲明朝" panose="02000600000000000000" pitchFamily="2" charset="-128"/>
+            </a:endParaRPr>
+          </a:p>
+          <a:p>
+            <a:pPr marL="0" indent="0">
+              <a:buNone/>
+            </a:pPr>
+            <a:endParaRPr kumimoji="1" lang="en-US" altLang="ja-JP" sz="2000" dirty="0" smtClean="0"/>
+          </a:p>
+          <a:p>
+            <a:pPr marL="0" indent="0">
+              <a:buNone/>
+            </a:pPr>
+            <a:endParaRPr kumimoji="1" lang="ja-JP" altLang="en-US" sz="2000" dirty="0"/>
+          </a:p>
+        </p:txBody>
+      </p:sp>
+      <p:pic>
+        <p:nvPicPr>
+          <p:cNvPr id="4" name="図 3"/>
+          <p:cNvPicPr>
+            <a:picLocks noChangeAspect="1"/>
+          </p:cNvPicPr>
+          <p:nvPr/>
+        </p:nvPicPr>
+        <p:blipFill>
+          <a:blip r:embed="rId2">
+            <a:extLst>
+              <a:ext uri="{28A0092B-C50C-407E-A947-70E740481C1C}">
+                <a14:useLocalDpi xmlns:a14="http://schemas.microsoft.com/office/drawing/2010/main" val="0"/>
+              </a:ext>
+            </a:extLst>
+          </a:blip>
+          <a:stretch>
+            <a:fillRect/>
+          </a:stretch>
+        </p:blipFill>
+        <p:spPr>
+          <a:xfrm>
+            <a:off x="3230621" y="1553390"/>
+            <a:ext cx="8961379" cy="5310553"/>
+          </a:xfrm>
+          <a:prstGeom prst="rect">
+            <a:avLst/>
+          </a:prstGeom>
+        </p:spPr>
+      </p:pic>
+      <p:sp>
+        <p:nvSpPr>
+          <p:cNvPr id="5" name="テキスト ボックス 4"/>
+          <p:cNvSpPr txBox="1"/>
+          <p:nvPr/>
+        </p:nvSpPr>
+        <p:spPr>
+          <a:xfrm rot="20078736">
+            <a:off x="-156520" y="3266297"/>
+            <a:ext cx="4876800" cy="646331"/>
+          </a:xfrm>
+          <a:prstGeom prst="rect">
+            <a:avLst/>
+          </a:prstGeom>
+          <a:noFill/>
+        </p:spPr>
+        <p:txBody>
+          <a:bodyPr wrap="square" rtlCol="0">
+            <a:spAutoFit/>
+          </a:bodyPr>
+          <a:lstStyle/>
+          <a:p>
+            <a:r>
+              <a:rPr kumimoji="1" lang="ja-JP" altLang="en-US" sz="3600" b="1" dirty="0" smtClean="0">
+                <a:solidFill>
+                  <a:srgbClr val="FF0000"/>
+                </a:solidFill>
+                <a:latin typeface="装甲明朝" panose="02000600000000000000" pitchFamily="2" charset="-128"/>
+                <a:ea typeface="装甲明朝" panose="02000600000000000000" pitchFamily="2" charset="-128"/>
+              </a:rPr>
+              <a:t>己の腕が力に直結する</a:t>
+            </a:r>
+            <a:endParaRPr kumimoji="1" lang="ja-JP" altLang="en-US" sz="3600" b="1" dirty="0">
+              <a:solidFill>
+                <a:srgbClr val="FF0000"/>
+              </a:solidFill>
+              <a:latin typeface="装甲明朝" panose="02000600000000000000" pitchFamily="2" charset="-128"/>
+              <a:ea typeface="装甲明朝" panose="02000600000000000000" pitchFamily="2" charset="-128"/>
+            </a:endParaRPr>
           </a:p>
         </p:txBody>
       </p:sp>
     </p:spTree>
     <p:extLst>
       <p:ext uri="{BB962C8B-B14F-4D97-AF65-F5344CB8AC3E}">
-        <p14:creationId xmlns:p14="http://schemas.microsoft.com/office/powerpoint/2010/main" val="2200711563"/>
+        <p14:creationId xmlns:p14="http://schemas.microsoft.com/office/powerpoint/2010/main" val="17557457"/>
       </p:ext>
     </p:extLst>
   </p:cSld>
   <p:clrMapOvr>
     <a:masterClrMapping/>
   </p:clrMapOvr>
+  <p:timing>
+    <p:tnLst>
+      <p:par>
+        <p:cTn id="1" dur="indefinite" restart="never" nodeType="tmRoot"/>
+      </p:par>
+    </p:tnLst>
+  </p:timing>
 </p:sld>
 </file>
 
 <file path=ppt/slides/slide3.xml><?xml version="1.0" encoding="utf-8"?>
 <p:sld xmlns:a="http://schemas.openxmlformats.org/drawingml/2006/main" xmlns:r="http://schemas.openxmlformats.org/officeDocument/2006/relationships" xmlns:p="http://schemas.openxmlformats.org/presentationml/2006/main">
   <p:cSld>
+    <p:bg>
+      <p:bgPr>
+        <a:blipFill dpi="0" rotWithShape="1">
+          <a:blip r:embed="rId2">
+            <a:alphaModFix amt="25000"/>
+            <a:lum/>
+          </a:blip>
+          <a:srcRect/>
+          <a:stretch>
+            <a:fillRect l="-16000" r="-16000"/>
+          </a:stretch>
+        </a:blipFill>
+        <a:effectLst/>
+      </p:bgPr>
+    </p:bg>
     <p:spTree>
       <p:nvGrpSpPr>
         <p:cNvPr id="1" name=""/>
@@ -3446,6 +3764,109 @@
       </p:grpSpPr>
       <p:sp>
         <p:nvSpPr>
+          <p:cNvPr id="10" name="正方形/長方形 9"/>
+          <p:cNvSpPr/>
+          <p:nvPr/>
+        </p:nvSpPr>
+        <p:spPr>
+          <a:xfrm>
+            <a:off x="1440310" y="471218"/>
+            <a:ext cx="6906846" cy="1134274"/>
+          </a:xfrm>
+          <a:prstGeom prst="rect">
+            <a:avLst/>
+          </a:prstGeom>
+          <a:blipFill>
+            <a:blip r:embed="rId3">
+              <a:alphaModFix amt="34000"/>
+            </a:blip>
+            <a:stretch>
+              <a:fillRect/>
+            </a:stretch>
+          </a:blipFill>
+          <a:ln>
+            <a:noFill/>
+          </a:ln>
+        </p:spPr>
+        <p:style>
+          <a:lnRef idx="2">
+            <a:schemeClr val="accent1">
+              <a:shade val="50000"/>
+            </a:schemeClr>
+          </a:lnRef>
+          <a:fillRef idx="1">
+            <a:schemeClr val="accent1"/>
+          </a:fillRef>
+          <a:effectRef idx="0">
+            <a:schemeClr val="accent1"/>
+          </a:effectRef>
+          <a:fontRef idx="minor">
+            <a:schemeClr val="lt1"/>
+          </a:fontRef>
+        </p:style>
+        <p:txBody>
+          <a:bodyPr rtlCol="0" anchor="ctr"/>
+          <a:lstStyle/>
+          <a:p>
+            <a:pPr algn="ctr"/>
+            <a:endParaRPr kumimoji="1" lang="ja-JP" altLang="en-US"/>
+          </a:p>
+        </p:txBody>
+      </p:sp>
+      <p:sp>
+        <p:nvSpPr>
+          <p:cNvPr id="9" name="正方形/長方形 8"/>
+          <p:cNvSpPr/>
+          <p:nvPr/>
+        </p:nvSpPr>
+        <p:spPr>
+          <a:xfrm rot="21342812" flipH="1">
+            <a:off x="-241004" y="-233642"/>
+            <a:ext cx="2397659" cy="2389487"/>
+          </a:xfrm>
+          <a:prstGeom prst="rect">
+            <a:avLst/>
+          </a:prstGeom>
+          <a:blipFill dpi="0" rotWithShape="1">
+            <a:blip r:embed="rId4">
+              <a:alphaModFix amt="84000"/>
+            </a:blip>
+            <a:srcRect/>
+            <a:stretch>
+              <a:fillRect/>
+            </a:stretch>
+          </a:blipFill>
+          <a:ln>
+            <a:noFill/>
+          </a:ln>
+        </p:spPr>
+        <p:style>
+          <a:lnRef idx="2">
+            <a:schemeClr val="accent1">
+              <a:shade val="50000"/>
+            </a:schemeClr>
+          </a:lnRef>
+          <a:fillRef idx="1">
+            <a:schemeClr val="accent1"/>
+          </a:fillRef>
+          <a:effectRef idx="0">
+            <a:schemeClr val="accent1"/>
+          </a:effectRef>
+          <a:fontRef idx="minor">
+            <a:schemeClr val="lt1"/>
+          </a:fontRef>
+        </p:style>
+        <p:txBody>
+          <a:bodyPr rtlCol="0" anchor="ctr"/>
+          <a:lstStyle/>
+          <a:p>
+            <a:pPr algn="ctr"/>
+            <a:endParaRPr kumimoji="1" lang="ja-JP" altLang="en-US"/>
+          </a:p>
+        </p:txBody>
+      </p:sp>
+      <p:sp>
+        <p:nvSpPr>
           <p:cNvPr id="2" name="タイトル 1"/>
           <p:cNvSpPr>
             <a:spLocks noGrp="1"/>
@@ -3454,16 +3875,27 @@
             <p:ph type="title"/>
           </p:nvPr>
         </p:nvSpPr>
-        <p:spPr/>
+        <p:spPr>
+          <a:xfrm>
+            <a:off x="3560149" y="471218"/>
+            <a:ext cx="3069251" cy="1325563"/>
+          </a:xfrm>
+        </p:spPr>
         <p:txBody>
           <a:bodyPr/>
           <a:lstStyle/>
           <a:p>
             <a:r>
-              <a:rPr kumimoji="1" lang="ja-JP" altLang="en-US" dirty="0" smtClean="0"/>
+              <a:rPr kumimoji="1" lang="ja-JP" altLang="en-US" b="1" i="1" dirty="0" smtClean="0">
+                <a:latin typeface="装甲明朝" panose="02000600000000000000" pitchFamily="2" charset="-128"/>
+                <a:ea typeface="装甲明朝" panose="02000600000000000000" pitchFamily="2" charset="-128"/>
+              </a:rPr>
               <a:t>ゲーム概要</a:t>
             </a:r>
-            <a:endParaRPr kumimoji="1" lang="ja-JP" altLang="en-US" dirty="0"/>
+            <a:endParaRPr kumimoji="1" lang="ja-JP" altLang="en-US" b="1" i="1" dirty="0">
+              <a:latin typeface="装甲明朝" panose="02000600000000000000" pitchFamily="2" charset="-128"/>
+              <a:ea typeface="装甲明朝" panose="02000600000000000000" pitchFamily="2" charset="-128"/>
+            </a:endParaRPr>
           </a:p>
         </p:txBody>
       </p:sp>
@@ -3477,39 +3909,84 @@
             <p:ph idx="1"/>
           </p:nvPr>
         </p:nvSpPr>
-        <p:spPr/>
-        <p:txBody>
-          <a:bodyPr/>
-          <a:lstStyle/>
-          <a:p>
-            <a:r>
-              <a:rPr kumimoji="1" lang="ja-JP" altLang="en-US" dirty="0" smtClean="0"/>
+        <p:spPr>
+          <a:xfrm>
+            <a:off x="0" y="2458208"/>
+            <a:ext cx="10515600" cy="4351338"/>
+          </a:xfrm>
+        </p:spPr>
+        <p:txBody>
+          <a:bodyPr>
+            <a:normAutofit/>
+          </a:bodyPr>
+          <a:lstStyle/>
+          <a:p>
+            <a:r>
+              <a:rPr kumimoji="1" lang="ja-JP" altLang="en-US" b="1" dirty="0" smtClean="0">
+                <a:latin typeface="装甲明朝" panose="02000600000000000000" pitchFamily="2" charset="-128"/>
+                <a:ea typeface="装甲明朝" panose="02000600000000000000" pitchFamily="2" charset="-128"/>
+              </a:rPr>
               <a:t>このゲームは、</a:t>
             </a:r>
             <a:r>
-              <a:rPr kumimoji="1" lang="ja-JP" altLang="en-US" dirty="0" smtClean="0">
+              <a:rPr kumimoji="1" lang="ja-JP" altLang="en-US" b="1" dirty="0" smtClean="0">
                 <a:solidFill>
                   <a:srgbClr val="FF0000"/>
                 </a:solidFill>
+                <a:latin typeface="装甲明朝" panose="02000600000000000000" pitchFamily="2" charset="-128"/>
+                <a:ea typeface="装甲明朝" panose="02000600000000000000" pitchFamily="2" charset="-128"/>
               </a:rPr>
               <a:t>リアルタイムで敵と戦闘し、敵機の撃破を狙う</a:t>
             </a:r>
             <a:r>
-              <a:rPr kumimoji="1" lang="en-US" altLang="ja-JP" dirty="0" smtClean="0">
+              <a:rPr lang="en-US" altLang="ja-JP" b="1" dirty="0">
                 <a:solidFill>
                   <a:srgbClr val="FF0000"/>
                 </a:solidFill>
-              </a:rPr>
-              <a:t>3D</a:t>
-            </a:r>
-            <a:r>
-              <a:rPr kumimoji="1" lang="ja-JP" altLang="en-US" dirty="0" smtClean="0">
+                <a:latin typeface="装甲明朝" panose="02000600000000000000" pitchFamily="2" charset="-128"/>
+                <a:ea typeface="装甲明朝" panose="02000600000000000000" pitchFamily="2" charset="-128"/>
+              </a:rPr>
+              <a:t>3DTPS</a:t>
+            </a:r>
+            <a:r>
+              <a:rPr lang="ja-JP" altLang="en-US" b="1" dirty="0">
                 <a:solidFill>
                   <a:srgbClr val="FF0000"/>
                 </a:solidFill>
-              </a:rPr>
-              <a:t>シューティングゲームです</a:t>
-            </a:r>
+                <a:latin typeface="装甲明朝" panose="02000600000000000000" pitchFamily="2" charset="-128"/>
+                <a:ea typeface="装甲明朝" panose="02000600000000000000" pitchFamily="2" charset="-128"/>
+              </a:rPr>
+              <a:t>型</a:t>
+            </a:r>
+            <a:r>
+              <a:rPr lang="ja-JP" altLang="en-US" b="1" dirty="0" smtClean="0">
+                <a:solidFill>
+                  <a:srgbClr val="FF0000"/>
+                </a:solidFill>
+                <a:latin typeface="装甲明朝" panose="02000600000000000000" pitchFamily="2" charset="-128"/>
+                <a:ea typeface="装甲明朝" panose="02000600000000000000" pitchFamily="2" charset="-128"/>
+              </a:rPr>
+              <a:t>ロボットアクションシューティング</a:t>
+            </a:r>
+            <a:r>
+              <a:rPr kumimoji="1" lang="ja-JP" altLang="en-US" b="1" dirty="0" smtClean="0">
+                <a:solidFill>
+                  <a:srgbClr val="FF0000"/>
+                </a:solidFill>
+                <a:latin typeface="装甲明朝" panose="02000600000000000000" pitchFamily="2" charset="-128"/>
+                <a:ea typeface="装甲明朝" panose="02000600000000000000" pitchFamily="2" charset="-128"/>
+              </a:rPr>
+              <a:t>です</a:t>
+            </a:r>
+            <a:endParaRPr kumimoji="1" lang="en-US" altLang="ja-JP" b="1" dirty="0" smtClean="0">
+              <a:solidFill>
+                <a:srgbClr val="FF0000"/>
+              </a:solidFill>
+              <a:latin typeface="装甲明朝" panose="02000600000000000000" pitchFamily="2" charset="-128"/>
+              <a:ea typeface="装甲明朝" panose="02000600000000000000" pitchFamily="2" charset="-128"/>
+            </a:endParaRPr>
+          </a:p>
+          <a:p>
             <a:endParaRPr kumimoji="1" lang="en-US" altLang="ja-JP" dirty="0" smtClean="0">
               <a:solidFill>
                 <a:srgbClr val="FF0000"/>
@@ -3517,49 +3994,136 @@
             </a:endParaRPr>
           </a:p>
           <a:p>
-            <a:endParaRPr kumimoji="1" lang="en-US" altLang="ja-JP" dirty="0" smtClean="0">
-              <a:solidFill>
-                <a:srgbClr val="FF0000"/>
-              </a:solidFill>
+            <a:r>
+              <a:rPr kumimoji="1" lang="ja-JP" altLang="en-US" b="1" dirty="0" smtClean="0">
+                <a:latin typeface="装甲明朝" panose="02000600000000000000" pitchFamily="2" charset="-128"/>
+                <a:ea typeface="装甲明朝" panose="02000600000000000000" pitchFamily="2" charset="-128"/>
+              </a:rPr>
+              <a:t>プレイヤーは用意された機体から</a:t>
+            </a:r>
+            <a:r>
+              <a:rPr lang="ja-JP" altLang="en-US" b="1" dirty="0" smtClean="0">
+                <a:latin typeface="装甲明朝" panose="02000600000000000000" pitchFamily="2" charset="-128"/>
+                <a:ea typeface="装甲明朝" panose="02000600000000000000" pitchFamily="2" charset="-128"/>
+              </a:rPr>
+              <a:t>好きな機体を選びその機体に搭載されている銃やミサイル、ボムなどを使い相手を撃破することができます</a:t>
+            </a:r>
+            <a:endParaRPr lang="en-US" altLang="ja-JP" b="1" dirty="0" smtClean="0">
+              <a:latin typeface="装甲明朝" panose="02000600000000000000" pitchFamily="2" charset="-128"/>
+              <a:ea typeface="装甲明朝" panose="02000600000000000000" pitchFamily="2" charset="-128"/>
             </a:endParaRPr>
           </a:p>
           <a:p>
-            <a:r>
-              <a:rPr kumimoji="1" lang="ja-JP" altLang="en-US" dirty="0" smtClean="0"/>
-              <a:t>プレイヤーは用意された機体から</a:t>
-            </a:r>
-            <a:r>
-              <a:rPr lang="ja-JP" altLang="en-US" dirty="0" smtClean="0"/>
-              <a:t>好きな機体を選びその機体に搭載されている銃やミサイルボムなどを使い相手を撃破することができます</a:t>
-            </a:r>
-            <a:endParaRPr lang="en-US" altLang="ja-JP" dirty="0" smtClean="0"/>
-          </a:p>
-          <a:p>
             <a:endParaRPr kumimoji="1" lang="en-US" altLang="ja-JP" dirty="0"/>
           </a:p>
           <a:p>
             <a:r>
-              <a:rPr lang="en-US" altLang="ja-JP" dirty="0" smtClean="0"/>
+              <a:rPr lang="en-US" altLang="ja-JP" b="1" dirty="0" smtClean="0">
+                <a:latin typeface="装甲明朝" panose="02000600000000000000" pitchFamily="2" charset="-128"/>
+                <a:ea typeface="装甲明朝" panose="02000600000000000000" pitchFamily="2" charset="-128"/>
+              </a:rPr>
               <a:t>TPS</a:t>
             </a:r>
             <a:r>
-              <a:rPr lang="ja-JP" altLang="en-US" dirty="0" smtClean="0"/>
-              <a:t>でキャラクターを表現することで多彩なアニメーションやエフェクトなどで迫力ある戦闘ができます</a:t>
-            </a:r>
-            <a:endParaRPr kumimoji="1" lang="ja-JP" altLang="en-US" dirty="0"/>
+              <a:rPr lang="ja-JP" altLang="en-US" b="1" dirty="0" smtClean="0">
+                <a:latin typeface="装甲明朝" panose="02000600000000000000" pitchFamily="2" charset="-128"/>
+                <a:ea typeface="装甲明朝" panose="02000600000000000000" pitchFamily="2" charset="-128"/>
+              </a:rPr>
+              <a:t>でキャラクターを表現することで</a:t>
+            </a:r>
+            <a:r>
+              <a:rPr lang="ja-JP" altLang="en-US" b="1" dirty="0" smtClean="0">
+                <a:solidFill>
+                  <a:srgbClr val="FF0000"/>
+                </a:solidFill>
+                <a:latin typeface="装甲明朝" panose="02000600000000000000" pitchFamily="2" charset="-128"/>
+                <a:ea typeface="装甲明朝" panose="02000600000000000000" pitchFamily="2" charset="-128"/>
+              </a:rPr>
+              <a:t>多彩なアニメーションやエフェクトなどで迫力ある戦闘</a:t>
+            </a:r>
+            <a:r>
+              <a:rPr lang="ja-JP" altLang="en-US" b="1" dirty="0" smtClean="0">
+                <a:latin typeface="装甲明朝" panose="02000600000000000000" pitchFamily="2" charset="-128"/>
+                <a:ea typeface="装甲明朝" panose="02000600000000000000" pitchFamily="2" charset="-128"/>
+              </a:rPr>
+              <a:t>ができます</a:t>
+            </a:r>
+            <a:endParaRPr kumimoji="1" lang="ja-JP" altLang="en-US" b="1" dirty="0">
+              <a:latin typeface="装甲明朝" panose="02000600000000000000" pitchFamily="2" charset="-128"/>
+              <a:ea typeface="装甲明朝" panose="02000600000000000000" pitchFamily="2" charset="-128"/>
+            </a:endParaRPr>
+          </a:p>
+        </p:txBody>
+      </p:sp>
+      <p:sp>
+        <p:nvSpPr>
+          <p:cNvPr id="7" name="角丸四角形 6"/>
+          <p:cNvSpPr/>
+          <p:nvPr/>
+        </p:nvSpPr>
+        <p:spPr>
+          <a:xfrm>
+            <a:off x="9218941" y="1059957"/>
+            <a:ext cx="3485635" cy="3081160"/>
+          </a:xfrm>
+          <a:prstGeom prst="roundRect">
+            <a:avLst/>
+          </a:prstGeom>
+          <a:blipFill dpi="0" rotWithShape="1">
+            <a:blip r:embed="rId5">
+              <a:alphaModFix amt="85000"/>
+            </a:blip>
+            <a:srcRect/>
+            <a:stretch>
+              <a:fillRect/>
+            </a:stretch>
+          </a:blipFill>
+          <a:ln>
+            <a:noFill/>
+          </a:ln>
+        </p:spPr>
+        <p:style>
+          <a:lnRef idx="2">
+            <a:schemeClr val="accent1">
+              <a:shade val="50000"/>
+            </a:schemeClr>
+          </a:lnRef>
+          <a:fillRef idx="1">
+            <a:schemeClr val="accent1"/>
+          </a:fillRef>
+          <a:effectRef idx="0">
+            <a:schemeClr val="accent1"/>
+          </a:effectRef>
+          <a:fontRef idx="minor">
+            <a:schemeClr val="lt1"/>
+          </a:fontRef>
+        </p:style>
+        <p:txBody>
+          <a:bodyPr rtlCol="0" anchor="ctr"/>
+          <a:lstStyle/>
+          <a:p>
+            <a:pPr algn="ctr"/>
+            <a:endParaRPr kumimoji="1" lang="ja-JP" altLang="en-US"/>
           </a:p>
         </p:txBody>
       </p:sp>
     </p:spTree>
     <p:extLst>
       <p:ext uri="{BB962C8B-B14F-4D97-AF65-F5344CB8AC3E}">
-        <p14:creationId xmlns:p14="http://schemas.microsoft.com/office/powerpoint/2010/main" val="1704540190"/>
+        <p14:creationId xmlns:p14="http://schemas.microsoft.com/office/powerpoint/2010/main" val="572596233"/>
       </p:ext>
     </p:extLst>
   </p:cSld>
   <p:clrMapOvr>
     <a:masterClrMapping/>
   </p:clrMapOvr>
+  <p:timing>
+    <p:tnLst>
+      <p:par>
+        <p:cTn id="1" dur="indefinite" restart="never" nodeType="tmRoot"/>
+      </p:par>
+    </p:tnLst>
+  </p:timing>
 </p:sld>
 </file>
 
@@ -3580,6 +4144,66 @@
           <a:chExt cx="0" cy="0"/>
         </a:xfrm>
       </p:grpSpPr>
+      <p:pic>
+        <p:nvPicPr>
+          <p:cNvPr id="79" name="図 78"/>
+          <p:cNvPicPr>
+            <a:picLocks noChangeAspect="1"/>
+          </p:cNvPicPr>
+          <p:nvPr/>
+        </p:nvPicPr>
+        <p:blipFill>
+          <a:blip r:embed="rId2">
+            <a:extLst>
+              <a:ext uri="{28A0092B-C50C-407E-A947-70E740481C1C}">
+                <a14:useLocalDpi xmlns:a14="http://schemas.microsoft.com/office/drawing/2010/main" val="0"/>
+              </a:ext>
+            </a:extLst>
+          </a:blip>
+          <a:stretch>
+            <a:fillRect/>
+          </a:stretch>
+        </p:blipFill>
+        <p:spPr>
+          <a:xfrm>
+            <a:off x="3391425" y="783527"/>
+            <a:ext cx="4762500" cy="2619375"/>
+          </a:xfrm>
+          <a:prstGeom prst="rect">
+            <a:avLst/>
+          </a:prstGeom>
+        </p:spPr>
+      </p:pic>
+      <p:pic>
+        <p:nvPicPr>
+          <p:cNvPr id="22" name="図 21"/>
+          <p:cNvPicPr>
+            <a:picLocks noChangeAspect="1"/>
+          </p:cNvPicPr>
+          <p:nvPr/>
+        </p:nvPicPr>
+        <p:blipFill>
+          <a:blip r:embed="rId3">
+            <a:extLst>
+              <a:ext uri="{28A0092B-C50C-407E-A947-70E740481C1C}">
+                <a14:useLocalDpi xmlns:a14="http://schemas.microsoft.com/office/drawing/2010/main" val="0"/>
+              </a:ext>
+            </a:extLst>
+          </a:blip>
+          <a:stretch>
+            <a:fillRect/>
+          </a:stretch>
+        </p:blipFill>
+        <p:spPr>
+          <a:xfrm>
+            <a:off x="4098587" y="4402632"/>
+            <a:ext cx="3582983" cy="2457356"/>
+          </a:xfrm>
+          <a:prstGeom prst="rect">
+            <a:avLst/>
+          </a:prstGeom>
+        </p:spPr>
+      </p:pic>
       <p:sp>
         <p:nvSpPr>
           <p:cNvPr id="2" name="タイトル 1"/>
@@ -3590,18 +4214,794 @@
             <p:ph type="title"/>
           </p:nvPr>
         </p:nvSpPr>
-        <p:spPr/>
-        <p:txBody>
-          <a:bodyPr/>
-          <a:lstStyle/>
-          <a:p>
+        <p:spPr>
+          <a:xfrm>
+            <a:off x="-67133" y="4178403"/>
+            <a:ext cx="2866670" cy="1325563"/>
+          </a:xfrm>
+        </p:spPr>
+        <p:txBody>
+          <a:bodyPr>
+            <a:normAutofit/>
+          </a:bodyPr>
+          <a:lstStyle/>
+          <a:p>
+            <a:r>
+              <a:rPr kumimoji="1" lang="ja-JP" altLang="en-US" sz="4800" b="1" dirty="0" smtClean="0">
+                <a:latin typeface="装甲明朝" panose="02000600000000000000" pitchFamily="2" charset="-128"/>
+                <a:ea typeface="装甲明朝" panose="02000600000000000000" pitchFamily="2" charset="-128"/>
+              </a:rPr>
+              <a:t>操作方法</a:t>
+            </a:r>
+            <a:endParaRPr kumimoji="1" lang="ja-JP" altLang="en-US" sz="4800" b="1" dirty="0">
+              <a:latin typeface="装甲明朝" panose="02000600000000000000" pitchFamily="2" charset="-128"/>
+              <a:ea typeface="装甲明朝" panose="02000600000000000000" pitchFamily="2" charset="-128"/>
+            </a:endParaRPr>
+          </a:p>
+        </p:txBody>
+      </p:sp>
+      <p:cxnSp>
+        <p:nvCxnSpPr>
+          <p:cNvPr id="7" name="直線矢印コネクタ 6"/>
+          <p:cNvCxnSpPr>
+            <a:endCxn id="40" idx="6"/>
+          </p:cNvCxnSpPr>
+          <p:nvPr/>
+        </p:nvCxnSpPr>
+        <p:spPr>
+          <a:xfrm flipH="1" flipV="1">
+            <a:off x="6693686" y="5141175"/>
+            <a:ext cx="3233485" cy="154375"/>
+          </a:xfrm>
+          <a:prstGeom prst="straightConnector1">
+            <a:avLst/>
+          </a:prstGeom>
+          <a:ln w="38100">
+            <a:tailEnd type="triangle"/>
+          </a:ln>
+        </p:spPr>
+        <p:style>
+          <a:lnRef idx="1">
+            <a:schemeClr val="accent1"/>
+          </a:lnRef>
+          <a:fillRef idx="0">
+            <a:schemeClr val="accent1"/>
+          </a:fillRef>
+          <a:effectRef idx="0">
+            <a:schemeClr val="accent1"/>
+          </a:effectRef>
+          <a:fontRef idx="minor">
+            <a:schemeClr val="tx1"/>
+          </a:fontRef>
+        </p:style>
+      </p:cxnSp>
+      <p:cxnSp>
+        <p:nvCxnSpPr>
+          <p:cNvPr id="10" name="直線矢印コネクタ 9"/>
+          <p:cNvCxnSpPr/>
+          <p:nvPr/>
+        </p:nvCxnSpPr>
+        <p:spPr>
+          <a:xfrm flipH="1">
+            <a:off x="6924370" y="4749319"/>
+            <a:ext cx="873211" cy="97965"/>
+          </a:xfrm>
+          <a:prstGeom prst="straightConnector1">
+            <a:avLst/>
+          </a:prstGeom>
+          <a:ln w="38100">
+            <a:tailEnd type="triangle"/>
+          </a:ln>
+        </p:spPr>
+        <p:style>
+          <a:lnRef idx="1">
+            <a:schemeClr val="accent1"/>
+          </a:lnRef>
+          <a:fillRef idx="0">
+            <a:schemeClr val="accent1"/>
+          </a:fillRef>
+          <a:effectRef idx="0">
+            <a:schemeClr val="accent1"/>
+          </a:effectRef>
+          <a:fontRef idx="minor">
+            <a:schemeClr val="tx1"/>
+          </a:fontRef>
+        </p:style>
+      </p:cxnSp>
+      <p:cxnSp>
+        <p:nvCxnSpPr>
+          <p:cNvPr id="13" name="直線矢印コネクタ 12"/>
+          <p:cNvCxnSpPr/>
+          <p:nvPr/>
+        </p:nvCxnSpPr>
+        <p:spPr>
+          <a:xfrm flipH="1" flipV="1">
+            <a:off x="6871177" y="5416094"/>
+            <a:ext cx="1429994" cy="430486"/>
+          </a:xfrm>
+          <a:prstGeom prst="straightConnector1">
+            <a:avLst/>
+          </a:prstGeom>
+          <a:ln w="38100">
+            <a:tailEnd type="triangle"/>
+          </a:ln>
+        </p:spPr>
+        <p:style>
+          <a:lnRef idx="1">
+            <a:schemeClr val="accent1"/>
+          </a:lnRef>
+          <a:fillRef idx="0">
+            <a:schemeClr val="accent1"/>
+          </a:fillRef>
+          <a:effectRef idx="0">
+            <a:schemeClr val="accent1"/>
+          </a:effectRef>
+          <a:fontRef idx="minor">
+            <a:schemeClr val="tx1"/>
+          </a:fontRef>
+        </p:style>
+      </p:cxnSp>
+      <p:cxnSp>
+        <p:nvCxnSpPr>
+          <p:cNvPr id="15" name="直線矢印コネクタ 14"/>
+          <p:cNvCxnSpPr/>
+          <p:nvPr/>
+        </p:nvCxnSpPr>
+        <p:spPr>
+          <a:xfrm flipH="1" flipV="1">
+            <a:off x="7232131" y="5012168"/>
+            <a:ext cx="2683975" cy="280102"/>
+          </a:xfrm>
+          <a:prstGeom prst="straightConnector1">
+            <a:avLst/>
+          </a:prstGeom>
+          <a:ln w="38100">
+            <a:tailEnd type="triangle"/>
+          </a:ln>
+        </p:spPr>
+        <p:style>
+          <a:lnRef idx="1">
+            <a:schemeClr val="accent1"/>
+          </a:lnRef>
+          <a:fillRef idx="0">
+            <a:schemeClr val="accent1"/>
+          </a:fillRef>
+          <a:effectRef idx="0">
+            <a:schemeClr val="accent1"/>
+          </a:effectRef>
+          <a:fontRef idx="minor">
+            <a:schemeClr val="tx1"/>
+          </a:fontRef>
+        </p:style>
+      </p:cxnSp>
+      <p:cxnSp>
+        <p:nvCxnSpPr>
+          <p:cNvPr id="17" name="直線矢印コネクタ 16"/>
+          <p:cNvCxnSpPr/>
+          <p:nvPr/>
+        </p:nvCxnSpPr>
+        <p:spPr>
+          <a:xfrm flipH="1">
+            <a:off x="7194937" y="3903520"/>
+            <a:ext cx="278983" cy="518860"/>
+          </a:xfrm>
+          <a:prstGeom prst="straightConnector1">
+            <a:avLst/>
+          </a:prstGeom>
+          <a:ln w="38100">
+            <a:tailEnd type="triangle"/>
+          </a:ln>
+        </p:spPr>
+        <p:style>
+          <a:lnRef idx="1">
+            <a:schemeClr val="accent1"/>
+          </a:lnRef>
+          <a:fillRef idx="0">
+            <a:schemeClr val="accent1"/>
+          </a:fillRef>
+          <a:effectRef idx="0">
+            <a:schemeClr val="accent1"/>
+          </a:effectRef>
+          <a:fontRef idx="minor">
+            <a:schemeClr val="tx1"/>
+          </a:fontRef>
+        </p:style>
+      </p:cxnSp>
+      <p:cxnSp>
+        <p:nvCxnSpPr>
+          <p:cNvPr id="19" name="直線矢印コネクタ 18"/>
+          <p:cNvCxnSpPr/>
+          <p:nvPr/>
+        </p:nvCxnSpPr>
+        <p:spPr>
+          <a:xfrm flipV="1">
+            <a:off x="5863248" y="5449794"/>
+            <a:ext cx="6384" cy="943155"/>
+          </a:xfrm>
+          <a:prstGeom prst="straightConnector1">
+            <a:avLst/>
+          </a:prstGeom>
+          <a:ln w="38100">
+            <a:tailEnd type="triangle"/>
+          </a:ln>
+        </p:spPr>
+        <p:style>
+          <a:lnRef idx="1">
+            <a:schemeClr val="accent1"/>
+          </a:lnRef>
+          <a:fillRef idx="0">
+            <a:schemeClr val="accent1"/>
+          </a:fillRef>
+          <a:effectRef idx="0">
+            <a:schemeClr val="accent1"/>
+          </a:effectRef>
+          <a:fontRef idx="minor">
+            <a:schemeClr val="tx1"/>
+          </a:fontRef>
+        </p:style>
+      </p:cxnSp>
+      <p:cxnSp>
+        <p:nvCxnSpPr>
+          <p:cNvPr id="21" name="直線矢印コネクタ 20"/>
+          <p:cNvCxnSpPr/>
+          <p:nvPr/>
+        </p:nvCxnSpPr>
+        <p:spPr>
+          <a:xfrm flipV="1">
+            <a:off x="2953528" y="5919162"/>
+            <a:ext cx="2290119" cy="91198"/>
+          </a:xfrm>
+          <a:prstGeom prst="straightConnector1">
+            <a:avLst/>
+          </a:prstGeom>
+          <a:ln w="38100">
+            <a:tailEnd type="triangle"/>
+          </a:ln>
+        </p:spPr>
+        <p:style>
+          <a:lnRef idx="1">
+            <a:schemeClr val="accent1"/>
+          </a:lnRef>
+          <a:fillRef idx="0">
+            <a:schemeClr val="accent1"/>
+          </a:fillRef>
+          <a:effectRef idx="0">
+            <a:schemeClr val="accent1"/>
+          </a:effectRef>
+          <a:fontRef idx="minor">
+            <a:schemeClr val="tx1"/>
+          </a:fontRef>
+        </p:style>
+      </p:cxnSp>
+      <p:cxnSp>
+        <p:nvCxnSpPr>
+          <p:cNvPr id="23" name="直線矢印コネクタ 22"/>
+          <p:cNvCxnSpPr/>
+          <p:nvPr/>
+        </p:nvCxnSpPr>
+        <p:spPr>
+          <a:xfrm flipH="1" flipV="1">
+            <a:off x="6508070" y="5952159"/>
+            <a:ext cx="2000430" cy="747817"/>
+          </a:xfrm>
+          <a:prstGeom prst="straightConnector1">
+            <a:avLst/>
+          </a:prstGeom>
+          <a:ln w="38100">
+            <a:tailEnd type="triangle"/>
+          </a:ln>
+        </p:spPr>
+        <p:style>
+          <a:lnRef idx="1">
+            <a:schemeClr val="accent1"/>
+          </a:lnRef>
+          <a:fillRef idx="0">
+            <a:schemeClr val="accent1"/>
+          </a:fillRef>
+          <a:effectRef idx="0">
+            <a:schemeClr val="accent1"/>
+          </a:effectRef>
+          <a:fontRef idx="minor">
+            <a:schemeClr val="tx1"/>
+          </a:fontRef>
+        </p:style>
+      </p:cxnSp>
+      <p:cxnSp>
+        <p:nvCxnSpPr>
+          <p:cNvPr id="27" name="直線矢印コネクタ 26"/>
+          <p:cNvCxnSpPr>
+            <a:stCxn id="35" idx="2"/>
+          </p:cNvCxnSpPr>
+          <p:nvPr/>
+        </p:nvCxnSpPr>
+        <p:spPr>
+          <a:xfrm>
+            <a:off x="3587431" y="4257875"/>
+            <a:ext cx="918690" cy="311489"/>
+          </a:xfrm>
+          <a:prstGeom prst="straightConnector1">
+            <a:avLst/>
+          </a:prstGeom>
+          <a:ln w="38100">
+            <a:tailEnd type="triangle"/>
+          </a:ln>
+        </p:spPr>
+        <p:style>
+          <a:lnRef idx="1">
+            <a:schemeClr val="accent1"/>
+          </a:lnRef>
+          <a:fillRef idx="0">
+            <a:schemeClr val="accent1"/>
+          </a:fillRef>
+          <a:effectRef idx="0">
+            <a:schemeClr val="accent1"/>
+          </a:effectRef>
+          <a:fontRef idx="minor">
+            <a:schemeClr val="tx1"/>
+          </a:fontRef>
+        </p:style>
+      </p:cxnSp>
+      <p:sp>
+        <p:nvSpPr>
+          <p:cNvPr id="28" name="テキスト ボックス 27"/>
+          <p:cNvSpPr txBox="1"/>
+          <p:nvPr/>
+        </p:nvSpPr>
+        <p:spPr>
+          <a:xfrm>
+            <a:off x="7797581" y="4569364"/>
+            <a:ext cx="3505419" cy="369332"/>
+          </a:xfrm>
+          <a:prstGeom prst="rect">
+            <a:avLst/>
+          </a:prstGeom>
+          <a:noFill/>
+        </p:spPr>
+        <p:txBody>
+          <a:bodyPr wrap="square" rtlCol="0">
+            <a:spAutoFit/>
+          </a:bodyPr>
+          <a:lstStyle/>
+          <a:p>
+            <a:r>
+              <a:rPr kumimoji="1" lang="ja-JP" altLang="en-US" b="1" dirty="0" smtClean="0">
+                <a:latin typeface="装甲明朝" panose="02000600000000000000" pitchFamily="2" charset="-128"/>
+                <a:ea typeface="装甲明朝" panose="02000600000000000000" pitchFamily="2" charset="-128"/>
+              </a:rPr>
+              <a:t>ジャンプ（自動ロックオン）</a:t>
+            </a:r>
+            <a:endParaRPr kumimoji="1" lang="ja-JP" altLang="en-US" b="1" dirty="0">
+              <a:latin typeface="装甲明朝" panose="02000600000000000000" pitchFamily="2" charset="-128"/>
+              <a:ea typeface="装甲明朝" panose="02000600000000000000" pitchFamily="2" charset="-128"/>
+            </a:endParaRPr>
+          </a:p>
+        </p:txBody>
+      </p:sp>
+      <p:sp>
+        <p:nvSpPr>
+          <p:cNvPr id="29" name="テキスト ボックス 28"/>
+          <p:cNvSpPr txBox="1"/>
+          <p:nvPr/>
+        </p:nvSpPr>
+        <p:spPr>
+          <a:xfrm>
+            <a:off x="8260006" y="5661914"/>
+            <a:ext cx="1202725" cy="369332"/>
+          </a:xfrm>
+          <a:prstGeom prst="rect">
+            <a:avLst/>
+          </a:prstGeom>
+          <a:noFill/>
+        </p:spPr>
+        <p:txBody>
+          <a:bodyPr wrap="square" rtlCol="0">
+            <a:spAutoFit/>
+          </a:bodyPr>
+          <a:lstStyle/>
+          <a:p>
+            <a:r>
+              <a:rPr kumimoji="1" lang="ja-JP" altLang="en-US" b="1" dirty="0" smtClean="0">
+                <a:latin typeface="装甲明朝" panose="02000600000000000000" pitchFamily="2" charset="-128"/>
+                <a:ea typeface="装甲明朝" panose="02000600000000000000" pitchFamily="2" charset="-128"/>
+              </a:rPr>
+              <a:t>急降下</a:t>
+            </a:r>
+            <a:endParaRPr kumimoji="1" lang="ja-JP" altLang="en-US" b="1" dirty="0">
+              <a:latin typeface="装甲明朝" panose="02000600000000000000" pitchFamily="2" charset="-128"/>
+              <a:ea typeface="装甲明朝" panose="02000600000000000000" pitchFamily="2" charset="-128"/>
+            </a:endParaRPr>
+          </a:p>
+        </p:txBody>
+      </p:sp>
+      <p:sp>
+        <p:nvSpPr>
+          <p:cNvPr id="33" name="テキスト ボックス 32"/>
+          <p:cNvSpPr txBox="1"/>
+          <p:nvPr/>
+        </p:nvSpPr>
+        <p:spPr>
+          <a:xfrm>
+            <a:off x="2332684" y="5846580"/>
+            <a:ext cx="689754" cy="369332"/>
+          </a:xfrm>
+          <a:prstGeom prst="rect">
+            <a:avLst/>
+          </a:prstGeom>
+          <a:noFill/>
+        </p:spPr>
+        <p:txBody>
+          <a:bodyPr wrap="square" rtlCol="0">
+            <a:spAutoFit/>
+          </a:bodyPr>
+          <a:lstStyle/>
+          <a:p>
+            <a:r>
+              <a:rPr lang="ja-JP" altLang="en-US" b="1" dirty="0">
+                <a:latin typeface="装甲明朝" panose="02000600000000000000" pitchFamily="2" charset="-128"/>
+                <a:ea typeface="装甲明朝" panose="02000600000000000000" pitchFamily="2" charset="-128"/>
+              </a:rPr>
+              <a:t>移動</a:t>
+            </a:r>
+            <a:endParaRPr kumimoji="1" lang="ja-JP" altLang="en-US" b="1" dirty="0">
+              <a:latin typeface="装甲明朝" panose="02000600000000000000" pitchFamily="2" charset="-128"/>
+              <a:ea typeface="装甲明朝" panose="02000600000000000000" pitchFamily="2" charset="-128"/>
+            </a:endParaRPr>
+          </a:p>
+        </p:txBody>
+      </p:sp>
+      <p:sp>
+        <p:nvSpPr>
+          <p:cNvPr id="34" name="テキスト ボックス 33"/>
+          <p:cNvSpPr txBox="1"/>
+          <p:nvPr/>
+        </p:nvSpPr>
+        <p:spPr>
+          <a:xfrm>
+            <a:off x="7473920" y="3726052"/>
+            <a:ext cx="1515762" cy="369332"/>
+          </a:xfrm>
+          <a:prstGeom prst="rect">
+            <a:avLst/>
+          </a:prstGeom>
+          <a:noFill/>
+        </p:spPr>
+        <p:txBody>
+          <a:bodyPr wrap="square" rtlCol="0">
+            <a:spAutoFit/>
+          </a:bodyPr>
+          <a:lstStyle/>
+          <a:p>
+            <a:r>
+              <a:rPr lang="ja-JP" altLang="en-US" b="1" dirty="0" smtClean="0">
+                <a:latin typeface="装甲明朝" panose="02000600000000000000" pitchFamily="2" charset="-128"/>
+                <a:ea typeface="装甲明朝" panose="02000600000000000000" pitchFamily="2" charset="-128"/>
+              </a:rPr>
+              <a:t>攻撃（強）</a:t>
+            </a:r>
+            <a:endParaRPr kumimoji="1" lang="ja-JP" altLang="en-US" b="1" dirty="0">
+              <a:latin typeface="装甲明朝" panose="02000600000000000000" pitchFamily="2" charset="-128"/>
+              <a:ea typeface="装甲明朝" panose="02000600000000000000" pitchFamily="2" charset="-128"/>
+            </a:endParaRPr>
+          </a:p>
+        </p:txBody>
+      </p:sp>
+      <p:sp>
+        <p:nvSpPr>
+          <p:cNvPr id="35" name="テキスト ボックス 34"/>
+          <p:cNvSpPr txBox="1"/>
+          <p:nvPr/>
+        </p:nvSpPr>
+        <p:spPr>
+          <a:xfrm>
+            <a:off x="2829550" y="3888543"/>
+            <a:ext cx="1515762" cy="369332"/>
+          </a:xfrm>
+          <a:prstGeom prst="rect">
+            <a:avLst/>
+          </a:prstGeom>
+          <a:noFill/>
+        </p:spPr>
+        <p:txBody>
+          <a:bodyPr wrap="square" rtlCol="0">
+            <a:spAutoFit/>
+          </a:bodyPr>
+          <a:lstStyle/>
+          <a:p>
+            <a:r>
+              <a:rPr kumimoji="1" lang="ja-JP" altLang="en-US" b="1" dirty="0" smtClean="0">
+                <a:latin typeface="装甲明朝" panose="02000600000000000000" pitchFamily="2" charset="-128"/>
+                <a:ea typeface="装甲明朝" panose="02000600000000000000" pitchFamily="2" charset="-128"/>
+              </a:rPr>
+              <a:t>攻撃（弱）</a:t>
+            </a:r>
+            <a:endParaRPr kumimoji="1" lang="ja-JP" altLang="en-US" b="1" dirty="0">
+              <a:latin typeface="装甲明朝" panose="02000600000000000000" pitchFamily="2" charset="-128"/>
+              <a:ea typeface="装甲明朝" panose="02000600000000000000" pitchFamily="2" charset="-128"/>
+            </a:endParaRPr>
+          </a:p>
+        </p:txBody>
+      </p:sp>
+      <p:sp>
+        <p:nvSpPr>
+          <p:cNvPr id="37" name="テキスト ボックス 36"/>
+          <p:cNvSpPr txBox="1"/>
+          <p:nvPr/>
+        </p:nvSpPr>
+        <p:spPr>
+          <a:xfrm>
+            <a:off x="8469464" y="6515310"/>
+            <a:ext cx="1515762" cy="369332"/>
+          </a:xfrm>
+          <a:prstGeom prst="rect">
+            <a:avLst/>
+          </a:prstGeom>
+          <a:noFill/>
+        </p:spPr>
+        <p:txBody>
+          <a:bodyPr wrap="square" rtlCol="0">
+            <a:spAutoFit/>
+          </a:bodyPr>
+          <a:lstStyle/>
+          <a:p>
+            <a:r>
+              <a:rPr lang="ja-JP" altLang="en-US" b="1" dirty="0" smtClean="0">
+                <a:latin typeface="装甲明朝" panose="02000600000000000000" pitchFamily="2" charset="-128"/>
+                <a:ea typeface="装甲明朝" panose="02000600000000000000" pitchFamily="2" charset="-128"/>
+              </a:rPr>
+              <a:t>カメラ移動</a:t>
+            </a:r>
+            <a:endParaRPr kumimoji="1" lang="ja-JP" altLang="en-US" b="1" dirty="0">
+              <a:latin typeface="装甲明朝" panose="02000600000000000000" pitchFamily="2" charset="-128"/>
+              <a:ea typeface="装甲明朝" panose="02000600000000000000" pitchFamily="2" charset="-128"/>
+            </a:endParaRPr>
+          </a:p>
+        </p:txBody>
+      </p:sp>
+      <p:sp>
+        <p:nvSpPr>
+          <p:cNvPr id="39" name="テキスト ボックス 38"/>
+          <p:cNvSpPr txBox="1"/>
+          <p:nvPr/>
+        </p:nvSpPr>
+        <p:spPr>
+          <a:xfrm>
+            <a:off x="5136949" y="6408362"/>
+            <a:ext cx="1465367" cy="369332"/>
+          </a:xfrm>
+          <a:prstGeom prst="rect">
+            <a:avLst/>
+          </a:prstGeom>
+          <a:noFill/>
+        </p:spPr>
+        <p:txBody>
+          <a:bodyPr wrap="square" rtlCol="0">
+            <a:spAutoFit/>
+          </a:bodyPr>
+          <a:lstStyle/>
+          <a:p>
+            <a:r>
+              <a:rPr kumimoji="1" lang="ja-JP" altLang="en-US" b="1" dirty="0" smtClean="0">
+                <a:latin typeface="装甲明朝" panose="02000600000000000000" pitchFamily="2" charset="-128"/>
+                <a:ea typeface="装甲明朝" panose="02000600000000000000" pitchFamily="2" charset="-128"/>
+              </a:rPr>
+              <a:t>オプション</a:t>
+            </a:r>
+            <a:endParaRPr kumimoji="1" lang="ja-JP" altLang="en-US" b="1" dirty="0">
+              <a:latin typeface="装甲明朝" panose="02000600000000000000" pitchFamily="2" charset="-128"/>
+              <a:ea typeface="装甲明朝" panose="02000600000000000000" pitchFamily="2" charset="-128"/>
+            </a:endParaRPr>
+          </a:p>
+        </p:txBody>
+      </p:sp>
+      <p:sp>
+        <p:nvSpPr>
+          <p:cNvPr id="41" name="テキスト ボックス 40"/>
+          <p:cNvSpPr txBox="1"/>
+          <p:nvPr/>
+        </p:nvSpPr>
+        <p:spPr>
+          <a:xfrm>
+            <a:off x="9850877" y="5150758"/>
+            <a:ext cx="1515762" cy="369332"/>
+          </a:xfrm>
+          <a:prstGeom prst="rect">
+            <a:avLst/>
+          </a:prstGeom>
+          <a:noFill/>
+        </p:spPr>
+        <p:txBody>
+          <a:bodyPr wrap="square" rtlCol="0">
+            <a:spAutoFit/>
+          </a:bodyPr>
+          <a:lstStyle/>
+          <a:p>
+            <a:r>
+              <a:rPr kumimoji="1" lang="ja-JP" altLang="en-US" b="1" dirty="0" smtClean="0">
+                <a:latin typeface="装甲明朝" panose="02000600000000000000" pitchFamily="2" charset="-128"/>
+                <a:ea typeface="装甲明朝" panose="02000600000000000000" pitchFamily="2" charset="-128"/>
+              </a:rPr>
+              <a:t>ダッシュ</a:t>
+            </a:r>
+            <a:endParaRPr kumimoji="1" lang="ja-JP" altLang="en-US" b="1" dirty="0">
+              <a:latin typeface="装甲明朝" panose="02000600000000000000" pitchFamily="2" charset="-128"/>
+              <a:ea typeface="装甲明朝" panose="02000600000000000000" pitchFamily="2" charset="-128"/>
+            </a:endParaRPr>
+          </a:p>
+        </p:txBody>
+      </p:sp>
+      <p:cxnSp>
+        <p:nvCxnSpPr>
+          <p:cNvPr id="48" name="直線矢印コネクタ 47"/>
+          <p:cNvCxnSpPr>
+            <a:stCxn id="53" idx="3"/>
+          </p:cNvCxnSpPr>
+          <p:nvPr/>
+        </p:nvCxnSpPr>
+        <p:spPr>
+          <a:xfrm flipV="1">
+            <a:off x="1988147" y="1032244"/>
+            <a:ext cx="1898053" cy="727442"/>
+          </a:xfrm>
+          <a:prstGeom prst="straightConnector1">
+            <a:avLst/>
+          </a:prstGeom>
+          <a:ln w="38100">
+            <a:solidFill>
+              <a:srgbClr val="FFFF00"/>
+            </a:solidFill>
+            <a:tailEnd type="triangle"/>
+          </a:ln>
+        </p:spPr>
+        <p:style>
+          <a:lnRef idx="1">
+            <a:schemeClr val="accent1"/>
+          </a:lnRef>
+          <a:fillRef idx="0">
+            <a:schemeClr val="accent1"/>
+          </a:fillRef>
+          <a:effectRef idx="0">
+            <a:schemeClr val="accent1"/>
+          </a:effectRef>
+          <a:fontRef idx="minor">
+            <a:schemeClr val="tx1"/>
+          </a:fontRef>
+        </p:style>
+      </p:cxnSp>
+      <p:sp>
+        <p:nvSpPr>
+          <p:cNvPr id="24" name="テキスト ボックス 23"/>
+          <p:cNvSpPr txBox="1"/>
+          <p:nvPr/>
+        </p:nvSpPr>
+        <p:spPr>
+          <a:xfrm>
+            <a:off x="16710" y="57838"/>
+            <a:ext cx="5570398" cy="769441"/>
+          </a:xfrm>
+          <a:prstGeom prst="rect">
+            <a:avLst/>
+          </a:prstGeom>
+          <a:noFill/>
+        </p:spPr>
+        <p:txBody>
+          <a:bodyPr wrap="square" rtlCol="0">
+            <a:spAutoFit/>
+          </a:bodyPr>
+          <a:lstStyle/>
+          <a:p>
+            <a:r>
+              <a:rPr kumimoji="1" lang="ja-JP" altLang="en-US" sz="4400" b="1" dirty="0" smtClean="0">
+                <a:latin typeface="装甲明朝" panose="02000600000000000000" pitchFamily="2" charset="-128"/>
+                <a:ea typeface="装甲明朝" panose="02000600000000000000" pitchFamily="2" charset="-128"/>
+              </a:rPr>
+              <a:t>画面イメージ</a:t>
+            </a:r>
+            <a:endParaRPr kumimoji="1" lang="ja-JP" altLang="en-US" sz="4400" b="1" dirty="0">
+              <a:latin typeface="装甲明朝" panose="02000600000000000000" pitchFamily="2" charset="-128"/>
+              <a:ea typeface="装甲明朝" panose="02000600000000000000" pitchFamily="2" charset="-128"/>
+            </a:endParaRPr>
+          </a:p>
+        </p:txBody>
+      </p:sp>
+      <p:sp>
+        <p:nvSpPr>
+          <p:cNvPr id="40" name="楕円 39"/>
+          <p:cNvSpPr/>
+          <p:nvPr/>
+        </p:nvSpPr>
+        <p:spPr>
+          <a:xfrm>
+            <a:off x="6333122" y="4938696"/>
+            <a:ext cx="360564" cy="404957"/>
+          </a:xfrm>
+          <a:prstGeom prst="ellipse">
+            <a:avLst/>
+          </a:prstGeom>
+          <a:noFill/>
+          <a:ln w="38100" cap="flat" cmpd="sng" algn="ctr">
+            <a:solidFill>
+              <a:schemeClr val="accent2"/>
+            </a:solidFill>
+            <a:prstDash val="solid"/>
+            <a:round/>
+            <a:headEnd type="none" w="med" len="med"/>
+            <a:tailEnd type="none" w="med" len="med"/>
+          </a:ln>
+        </p:spPr>
+        <p:style>
+          <a:lnRef idx="0">
+            <a:scrgbClr r="0" g="0" b="0"/>
+          </a:lnRef>
+          <a:fillRef idx="0">
+            <a:scrgbClr r="0" g="0" b="0"/>
+          </a:fillRef>
+          <a:effectRef idx="0">
+            <a:scrgbClr r="0" g="0" b="0"/>
+          </a:effectRef>
+          <a:fontRef idx="minor">
+            <a:schemeClr val="accent2"/>
+          </a:fontRef>
+        </p:style>
+        <p:txBody>
+          <a:bodyPr rtlCol="0" anchor="ctr"/>
+          <a:lstStyle/>
+          <a:p>
+            <a:pPr algn="ctr"/>
             <a:endParaRPr kumimoji="1" lang="ja-JP" altLang="en-US"/>
           </a:p>
         </p:txBody>
       </p:sp>
       <p:sp>
         <p:nvSpPr>
-          <p:cNvPr id="3" name="コンテンツ プレースホルダー 2"/>
+          <p:cNvPr id="45" name="楕円 44"/>
+          <p:cNvSpPr/>
+          <p:nvPr/>
+        </p:nvSpPr>
+        <p:spPr>
+          <a:xfrm>
+            <a:off x="6924370" y="4938696"/>
+            <a:ext cx="360564" cy="404957"/>
+          </a:xfrm>
+          <a:prstGeom prst="ellipse">
+            <a:avLst/>
+          </a:prstGeom>
+          <a:noFill/>
+          <a:ln w="38100" cap="flat" cmpd="sng" algn="ctr">
+            <a:solidFill>
+              <a:schemeClr val="accent2"/>
+            </a:solidFill>
+            <a:prstDash val="solid"/>
+            <a:round/>
+            <a:headEnd type="none" w="med" len="med"/>
+            <a:tailEnd type="none" w="med" len="med"/>
+          </a:ln>
+        </p:spPr>
+        <p:style>
+          <a:lnRef idx="0">
+            <a:scrgbClr r="0" g="0" b="0"/>
+          </a:lnRef>
+          <a:fillRef idx="0">
+            <a:scrgbClr r="0" g="0" b="0"/>
+          </a:fillRef>
+          <a:effectRef idx="0">
+            <a:scrgbClr r="0" g="0" b="0"/>
+          </a:effectRef>
+          <a:fontRef idx="minor">
+            <a:schemeClr val="accent2"/>
+          </a:fontRef>
+        </p:style>
+        <p:txBody>
+          <a:bodyPr rtlCol="0" anchor="ctr"/>
+          <a:lstStyle/>
+          <a:p>
+            <a:pPr algn="ctr"/>
+            <a:endParaRPr kumimoji="1" lang="ja-JP" altLang="en-US"/>
+          </a:p>
+        </p:txBody>
+      </p:sp>
+      <p:sp>
+        <p:nvSpPr>
+          <p:cNvPr id="53" name="コンテンツ プレースホルダー 52"/>
           <p:cNvSpPr>
             <a:spLocks noGrp="1"/>
           </p:cNvSpPr>
@@ -3609,25 +5009,1828 @@
             <p:ph idx="1"/>
           </p:nvPr>
         </p:nvSpPr>
-        <p:spPr/>
-        <p:txBody>
-          <a:bodyPr/>
-          <a:lstStyle/>
-          <a:p>
-            <a:endParaRPr kumimoji="1" lang="ja-JP" altLang="en-US"/>
-          </a:p>
-        </p:txBody>
-      </p:sp>
+        <p:spPr>
+          <a:xfrm>
+            <a:off x="634692" y="1593243"/>
+            <a:ext cx="1353455" cy="332886"/>
+          </a:xfrm>
+        </p:spPr>
+        <p:txBody>
+          <a:bodyPr>
+            <a:normAutofit lnSpcReduction="10000"/>
+          </a:bodyPr>
+          <a:lstStyle/>
+          <a:p>
+            <a:pPr marL="0" indent="0">
+              <a:buNone/>
+            </a:pPr>
+            <a:r>
+              <a:rPr kumimoji="1" lang="ja-JP" altLang="en-US" sz="1800" b="1" dirty="0" smtClean="0">
+                <a:latin typeface="装甲明朝" panose="02000600000000000000" pitchFamily="2" charset="-128"/>
+                <a:ea typeface="装甲明朝" panose="02000600000000000000" pitchFamily="2" charset="-128"/>
+              </a:rPr>
+              <a:t>体力ゲージ</a:t>
+            </a:r>
+            <a:endParaRPr kumimoji="1" lang="ja-JP" altLang="en-US" sz="1800" b="1" dirty="0">
+              <a:latin typeface="装甲明朝" panose="02000600000000000000" pitchFamily="2" charset="-128"/>
+              <a:ea typeface="装甲明朝" panose="02000600000000000000" pitchFamily="2" charset="-128"/>
+            </a:endParaRPr>
+          </a:p>
+        </p:txBody>
+      </p:sp>
+      <p:sp>
+        <p:nvSpPr>
+          <p:cNvPr id="58" name="テキスト ボックス 57"/>
+          <p:cNvSpPr txBox="1"/>
+          <p:nvPr/>
+        </p:nvSpPr>
+        <p:spPr>
+          <a:xfrm>
+            <a:off x="9864784" y="1759686"/>
+            <a:ext cx="1650718" cy="369332"/>
+          </a:xfrm>
+          <a:prstGeom prst="rect">
+            <a:avLst/>
+          </a:prstGeom>
+          <a:noFill/>
+        </p:spPr>
+        <p:txBody>
+          <a:bodyPr wrap="square" rtlCol="0">
+            <a:spAutoFit/>
+          </a:bodyPr>
+          <a:lstStyle/>
+          <a:p>
+            <a:r>
+              <a:rPr kumimoji="1" lang="ja-JP" altLang="en-US" b="1" dirty="0" smtClean="0">
+                <a:latin typeface="装甲明朝" panose="02000600000000000000" pitchFamily="2" charset="-128"/>
+                <a:ea typeface="装甲明朝" panose="02000600000000000000" pitchFamily="2" charset="-128"/>
+              </a:rPr>
+              <a:t>残り時間</a:t>
+            </a:r>
+            <a:endParaRPr kumimoji="1" lang="ja-JP" altLang="en-US" b="1" dirty="0">
+              <a:latin typeface="装甲明朝" panose="02000600000000000000" pitchFamily="2" charset="-128"/>
+              <a:ea typeface="装甲明朝" panose="02000600000000000000" pitchFamily="2" charset="-128"/>
+            </a:endParaRPr>
+          </a:p>
+        </p:txBody>
+      </p:sp>
+      <p:cxnSp>
+        <p:nvCxnSpPr>
+          <p:cNvPr id="60" name="直線矢印コネクタ 59"/>
+          <p:cNvCxnSpPr>
+            <a:stCxn id="58" idx="1"/>
+          </p:cNvCxnSpPr>
+          <p:nvPr/>
+        </p:nvCxnSpPr>
+        <p:spPr>
+          <a:xfrm flipH="1" flipV="1">
+            <a:off x="6160646" y="1069365"/>
+            <a:ext cx="3704138" cy="874987"/>
+          </a:xfrm>
+          <a:prstGeom prst="straightConnector1">
+            <a:avLst/>
+          </a:prstGeom>
+          <a:ln w="38100">
+            <a:solidFill>
+              <a:srgbClr val="FFFF00"/>
+            </a:solidFill>
+            <a:tailEnd type="triangle"/>
+          </a:ln>
+        </p:spPr>
+        <p:style>
+          <a:lnRef idx="1">
+            <a:schemeClr val="accent1"/>
+          </a:lnRef>
+          <a:fillRef idx="0">
+            <a:schemeClr val="accent1"/>
+          </a:fillRef>
+          <a:effectRef idx="0">
+            <a:schemeClr val="accent1"/>
+          </a:effectRef>
+          <a:fontRef idx="minor">
+            <a:schemeClr val="tx1"/>
+          </a:fontRef>
+        </p:style>
+      </p:cxnSp>
+      <p:cxnSp>
+        <p:nvCxnSpPr>
+          <p:cNvPr id="65" name="直線矢印コネクタ 64"/>
+          <p:cNvCxnSpPr>
+            <a:stCxn id="67" idx="3"/>
+          </p:cNvCxnSpPr>
+          <p:nvPr/>
+        </p:nvCxnSpPr>
+        <p:spPr>
+          <a:xfrm flipV="1">
+            <a:off x="2654337" y="1926840"/>
+            <a:ext cx="1129232" cy="492908"/>
+          </a:xfrm>
+          <a:prstGeom prst="straightConnector1">
+            <a:avLst/>
+          </a:prstGeom>
+          <a:ln w="57150">
+            <a:solidFill>
+              <a:srgbClr val="FFFF00"/>
+            </a:solidFill>
+            <a:tailEnd type="triangle"/>
+          </a:ln>
+        </p:spPr>
+        <p:style>
+          <a:lnRef idx="1">
+            <a:schemeClr val="accent1"/>
+          </a:lnRef>
+          <a:fillRef idx="0">
+            <a:schemeClr val="accent1"/>
+          </a:fillRef>
+          <a:effectRef idx="0">
+            <a:schemeClr val="accent1"/>
+          </a:effectRef>
+          <a:fontRef idx="minor">
+            <a:schemeClr val="tx1"/>
+          </a:fontRef>
+        </p:style>
+      </p:cxnSp>
+      <p:sp>
+        <p:nvSpPr>
+          <p:cNvPr id="67" name="テキスト ボックス 66"/>
+          <p:cNvSpPr txBox="1"/>
+          <p:nvPr/>
+        </p:nvSpPr>
+        <p:spPr>
+          <a:xfrm>
+            <a:off x="1596004" y="2235082"/>
+            <a:ext cx="1058333" cy="369332"/>
+          </a:xfrm>
+          <a:prstGeom prst="rect">
+            <a:avLst/>
+          </a:prstGeom>
+          <a:noFill/>
+        </p:spPr>
+        <p:txBody>
+          <a:bodyPr wrap="square" rtlCol="0">
+            <a:spAutoFit/>
+          </a:bodyPr>
+          <a:lstStyle/>
+          <a:p>
+            <a:r>
+              <a:rPr lang="en-US" altLang="ja-JP" b="1" dirty="0">
+                <a:latin typeface="装甲明朝" panose="02000600000000000000" pitchFamily="2" charset="-128"/>
+                <a:ea typeface="装甲明朝" panose="02000600000000000000" pitchFamily="2" charset="-128"/>
+              </a:rPr>
+              <a:t>1P</a:t>
+            </a:r>
+            <a:r>
+              <a:rPr lang="ja-JP" altLang="en-US" b="1" dirty="0">
+                <a:latin typeface="装甲明朝" panose="02000600000000000000" pitchFamily="2" charset="-128"/>
+                <a:ea typeface="装甲明朝" panose="02000600000000000000" pitchFamily="2" charset="-128"/>
+              </a:rPr>
+              <a:t>画面</a:t>
+            </a:r>
+          </a:p>
+        </p:txBody>
+      </p:sp>
+      <p:cxnSp>
+        <p:nvCxnSpPr>
+          <p:cNvPr id="70" name="直線矢印コネクタ 69"/>
+          <p:cNvCxnSpPr>
+            <a:stCxn id="72" idx="1"/>
+          </p:cNvCxnSpPr>
+          <p:nvPr/>
+        </p:nvCxnSpPr>
+        <p:spPr>
+          <a:xfrm flipH="1" flipV="1">
+            <a:off x="7937599" y="2129540"/>
+            <a:ext cx="953414" cy="619053"/>
+          </a:xfrm>
+          <a:prstGeom prst="straightConnector1">
+            <a:avLst/>
+          </a:prstGeom>
+          <a:ln w="57150">
+            <a:solidFill>
+              <a:srgbClr val="FFFF00"/>
+            </a:solidFill>
+            <a:tailEnd type="triangle"/>
+          </a:ln>
+        </p:spPr>
+        <p:style>
+          <a:lnRef idx="1">
+            <a:schemeClr val="accent1"/>
+          </a:lnRef>
+          <a:fillRef idx="0">
+            <a:schemeClr val="accent1"/>
+          </a:fillRef>
+          <a:effectRef idx="0">
+            <a:schemeClr val="accent1"/>
+          </a:effectRef>
+          <a:fontRef idx="minor">
+            <a:schemeClr val="tx1"/>
+          </a:fontRef>
+        </p:style>
+      </p:cxnSp>
+      <p:sp>
+        <p:nvSpPr>
+          <p:cNvPr id="72" name="テキスト ボックス 71"/>
+          <p:cNvSpPr txBox="1"/>
+          <p:nvPr/>
+        </p:nvSpPr>
+        <p:spPr>
+          <a:xfrm>
+            <a:off x="8891013" y="2563927"/>
+            <a:ext cx="1590065" cy="369332"/>
+          </a:xfrm>
+          <a:prstGeom prst="rect">
+            <a:avLst/>
+          </a:prstGeom>
+          <a:noFill/>
+        </p:spPr>
+        <p:txBody>
+          <a:bodyPr wrap="square" rtlCol="0">
+            <a:spAutoFit/>
+          </a:bodyPr>
+          <a:lstStyle/>
+          <a:p>
+            <a:r>
+              <a:rPr kumimoji="1" lang="en-US" altLang="ja-JP" b="1" dirty="0" smtClean="0">
+                <a:latin typeface="装甲明朝" panose="02000600000000000000" pitchFamily="2" charset="-128"/>
+                <a:ea typeface="装甲明朝" panose="02000600000000000000" pitchFamily="2" charset="-128"/>
+              </a:rPr>
+              <a:t>2P</a:t>
+            </a:r>
+            <a:r>
+              <a:rPr kumimoji="1" lang="ja-JP" altLang="en-US" b="1" dirty="0" smtClean="0">
+                <a:latin typeface="装甲明朝" panose="02000600000000000000" pitchFamily="2" charset="-128"/>
+                <a:ea typeface="装甲明朝" panose="02000600000000000000" pitchFamily="2" charset="-128"/>
+              </a:rPr>
+              <a:t>画面</a:t>
+            </a:r>
+            <a:endParaRPr kumimoji="1" lang="ja-JP" altLang="en-US" b="1" dirty="0">
+              <a:latin typeface="装甲明朝" panose="02000600000000000000" pitchFamily="2" charset="-128"/>
+              <a:ea typeface="装甲明朝" panose="02000600000000000000" pitchFamily="2" charset="-128"/>
+            </a:endParaRPr>
+          </a:p>
+        </p:txBody>
+      </p:sp>
+      <p:sp>
+        <p:nvSpPr>
+          <p:cNvPr id="81" name="テキスト ボックス 80"/>
+          <p:cNvSpPr txBox="1"/>
+          <p:nvPr/>
+        </p:nvSpPr>
+        <p:spPr>
+          <a:xfrm>
+            <a:off x="1153947" y="2741212"/>
+            <a:ext cx="1753152" cy="369332"/>
+          </a:xfrm>
+          <a:prstGeom prst="rect">
+            <a:avLst/>
+          </a:prstGeom>
+          <a:noFill/>
+        </p:spPr>
+        <p:txBody>
+          <a:bodyPr wrap="square" rtlCol="0">
+            <a:spAutoFit/>
+          </a:bodyPr>
+          <a:lstStyle/>
+          <a:p>
+            <a:r>
+              <a:rPr kumimoji="1" lang="en-US" altLang="ja-JP" b="1" dirty="0" smtClean="0">
+                <a:latin typeface="装甲明朝" panose="02000600000000000000" pitchFamily="2" charset="-128"/>
+                <a:ea typeface="装甲明朝" panose="02000600000000000000" pitchFamily="2" charset="-128"/>
+              </a:rPr>
+              <a:t>HIT</a:t>
+            </a:r>
+            <a:r>
+              <a:rPr kumimoji="1" lang="ja-JP" altLang="en-US" b="1" dirty="0" smtClean="0">
+                <a:latin typeface="装甲明朝" panose="02000600000000000000" pitchFamily="2" charset="-128"/>
+                <a:ea typeface="装甲明朝" panose="02000600000000000000" pitchFamily="2" charset="-128"/>
+              </a:rPr>
+              <a:t>アイコン</a:t>
+            </a:r>
+            <a:endParaRPr kumimoji="1" lang="ja-JP" altLang="en-US" b="1" dirty="0">
+              <a:latin typeface="装甲明朝" panose="02000600000000000000" pitchFamily="2" charset="-128"/>
+              <a:ea typeface="装甲明朝" panose="02000600000000000000" pitchFamily="2" charset="-128"/>
+            </a:endParaRPr>
+          </a:p>
+        </p:txBody>
+      </p:sp>
+      <p:cxnSp>
+        <p:nvCxnSpPr>
+          <p:cNvPr id="83" name="直線矢印コネクタ 82"/>
+          <p:cNvCxnSpPr>
+            <a:stCxn id="81" idx="3"/>
+          </p:cNvCxnSpPr>
+          <p:nvPr/>
+        </p:nvCxnSpPr>
+        <p:spPr>
+          <a:xfrm flipV="1">
+            <a:off x="2907099" y="2829543"/>
+            <a:ext cx="1300834" cy="96335"/>
+          </a:xfrm>
+          <a:prstGeom prst="straightConnector1">
+            <a:avLst/>
+          </a:prstGeom>
+          <a:ln w="57150">
+            <a:solidFill>
+              <a:srgbClr val="FFFF00"/>
+            </a:solidFill>
+            <a:tailEnd type="triangle"/>
+          </a:ln>
+        </p:spPr>
+        <p:style>
+          <a:lnRef idx="1">
+            <a:schemeClr val="accent1"/>
+          </a:lnRef>
+          <a:fillRef idx="0">
+            <a:schemeClr val="accent1"/>
+          </a:fillRef>
+          <a:effectRef idx="0">
+            <a:schemeClr val="accent1"/>
+          </a:effectRef>
+          <a:fontRef idx="minor">
+            <a:schemeClr val="tx1"/>
+          </a:fontRef>
+        </p:style>
+      </p:cxnSp>
+      <p:sp>
+        <p:nvSpPr>
+          <p:cNvPr id="85" name="テキスト ボックス 84"/>
+          <p:cNvSpPr txBox="1"/>
+          <p:nvPr/>
+        </p:nvSpPr>
+        <p:spPr>
+          <a:xfrm>
+            <a:off x="313271" y="3170519"/>
+            <a:ext cx="2039103" cy="369332"/>
+          </a:xfrm>
+          <a:prstGeom prst="rect">
+            <a:avLst/>
+          </a:prstGeom>
+          <a:noFill/>
+        </p:spPr>
+        <p:txBody>
+          <a:bodyPr wrap="square" rtlCol="0">
+            <a:spAutoFit/>
+          </a:bodyPr>
+          <a:lstStyle/>
+          <a:p>
+            <a:r>
+              <a:rPr kumimoji="1" lang="ja-JP" altLang="en-US" b="1" dirty="0" smtClean="0">
+                <a:latin typeface="装甲明朝" panose="02000600000000000000" pitchFamily="2" charset="-128"/>
+                <a:ea typeface="装甲明朝" panose="02000600000000000000" pitchFamily="2" charset="-128"/>
+              </a:rPr>
+              <a:t>アクションゲージ</a:t>
+            </a:r>
+            <a:endParaRPr kumimoji="1" lang="ja-JP" altLang="en-US" b="1" dirty="0">
+              <a:latin typeface="装甲明朝" panose="02000600000000000000" pitchFamily="2" charset="-128"/>
+              <a:ea typeface="装甲明朝" panose="02000600000000000000" pitchFamily="2" charset="-128"/>
+            </a:endParaRPr>
+          </a:p>
+        </p:txBody>
+      </p:sp>
+      <p:cxnSp>
+        <p:nvCxnSpPr>
+          <p:cNvPr id="87" name="直線矢印コネクタ 86"/>
+          <p:cNvCxnSpPr/>
+          <p:nvPr/>
+        </p:nvCxnSpPr>
+        <p:spPr>
+          <a:xfrm flipV="1">
+            <a:off x="2332684" y="3274525"/>
+            <a:ext cx="1540792" cy="20685"/>
+          </a:xfrm>
+          <a:prstGeom prst="straightConnector1">
+            <a:avLst/>
+          </a:prstGeom>
+          <a:ln w="57150">
+            <a:solidFill>
+              <a:srgbClr val="FFFF00"/>
+            </a:solidFill>
+            <a:tailEnd type="triangle"/>
+          </a:ln>
+        </p:spPr>
+        <p:style>
+          <a:lnRef idx="1">
+            <a:schemeClr val="accent1"/>
+          </a:lnRef>
+          <a:fillRef idx="0">
+            <a:schemeClr val="accent1"/>
+          </a:fillRef>
+          <a:effectRef idx="0">
+            <a:schemeClr val="accent1"/>
+          </a:effectRef>
+          <a:fontRef idx="minor">
+            <a:schemeClr val="tx1"/>
+          </a:fontRef>
+        </p:style>
+      </p:cxnSp>
     </p:spTree>
     <p:extLst>
       <p:ext uri="{BB962C8B-B14F-4D97-AF65-F5344CB8AC3E}">
-        <p14:creationId xmlns:p14="http://schemas.microsoft.com/office/powerpoint/2010/main" val="4268526874"/>
+        <p14:creationId xmlns:p14="http://schemas.microsoft.com/office/powerpoint/2010/main" val="290151244"/>
       </p:ext>
     </p:extLst>
   </p:cSld>
   <p:clrMapOvr>
     <a:masterClrMapping/>
   </p:clrMapOvr>
+  <p:timing>
+    <p:tnLst>
+      <p:par>
+        <p:cTn id="1" dur="indefinite" restart="never" nodeType="tmRoot"/>
+      </p:par>
+    </p:tnLst>
+  </p:timing>
+</p:sld>
+</file>
+
+<file path=ppt/slides/slide5.xml><?xml version="1.0" encoding="utf-8"?>
+<p:sld xmlns:a="http://schemas.openxmlformats.org/drawingml/2006/main" xmlns:r="http://schemas.openxmlformats.org/officeDocument/2006/relationships" xmlns:p="http://schemas.openxmlformats.org/presentationml/2006/main">
+  <p:cSld>
+    <p:spTree>
+      <p:nvGrpSpPr>
+        <p:cNvPr id="1" name=""/>
+        <p:cNvGrpSpPr/>
+        <p:nvPr/>
+      </p:nvGrpSpPr>
+      <p:grpSpPr>
+        <a:xfrm>
+          <a:off x="0" y="0"/>
+          <a:ext cx="0" cy="0"/>
+          <a:chOff x="0" y="0"/>
+          <a:chExt cx="0" cy="0"/>
+        </a:xfrm>
+      </p:grpSpPr>
+      <p:sp>
+        <p:nvSpPr>
+          <p:cNvPr id="2" name="タイトル 1"/>
+          <p:cNvSpPr>
+            <a:spLocks noGrp="1"/>
+          </p:cNvSpPr>
+          <p:nvPr>
+            <p:ph type="title"/>
+          </p:nvPr>
+        </p:nvSpPr>
+        <p:spPr>
+          <a:xfrm>
+            <a:off x="10525" y="-73476"/>
+            <a:ext cx="10515600" cy="1325563"/>
+          </a:xfrm>
+        </p:spPr>
+        <p:txBody>
+          <a:bodyPr/>
+          <a:lstStyle/>
+          <a:p>
+            <a:r>
+              <a:rPr kumimoji="1" lang="ja-JP" altLang="en-US" b="1" dirty="0" smtClean="0">
+                <a:latin typeface="装甲明朝" panose="02000600000000000000" pitchFamily="2" charset="-128"/>
+                <a:ea typeface="装甲明朝" panose="02000600000000000000" pitchFamily="2" charset="-128"/>
+              </a:rPr>
+              <a:t>アクションゲージと武器について</a:t>
+            </a:r>
+            <a:endParaRPr kumimoji="1" lang="ja-JP" altLang="en-US" b="1" dirty="0">
+              <a:latin typeface="装甲明朝" panose="02000600000000000000" pitchFamily="2" charset="-128"/>
+              <a:ea typeface="装甲明朝" panose="02000600000000000000" pitchFamily="2" charset="-128"/>
+            </a:endParaRPr>
+          </a:p>
+        </p:txBody>
+      </p:sp>
+      <p:sp>
+        <p:nvSpPr>
+          <p:cNvPr id="14" name="コンテンツ プレースホルダー 13"/>
+          <p:cNvSpPr>
+            <a:spLocks noGrp="1"/>
+          </p:cNvSpPr>
+          <p:nvPr>
+            <p:ph idx="1"/>
+          </p:nvPr>
+        </p:nvSpPr>
+        <p:spPr>
+          <a:xfrm>
+            <a:off x="6644674" y="1721521"/>
+            <a:ext cx="5847263" cy="3471333"/>
+          </a:xfrm>
+        </p:spPr>
+        <p:txBody>
+          <a:bodyPr>
+            <a:normAutofit/>
+          </a:bodyPr>
+          <a:lstStyle/>
+          <a:p>
+            <a:pPr marL="0" indent="0" algn="ctr">
+              <a:buNone/>
+            </a:pPr>
+            <a:r>
+              <a:rPr kumimoji="1" lang="ja-JP" altLang="en-US" b="1" dirty="0" smtClean="0">
+                <a:solidFill>
+                  <a:srgbClr val="FF0000"/>
+                </a:solidFill>
+                <a:latin typeface="装甲明朝" panose="02000600000000000000" pitchFamily="2" charset="-128"/>
+                <a:ea typeface="装甲明朝" panose="02000600000000000000" pitchFamily="2" charset="-128"/>
+              </a:rPr>
+              <a:t>ヘビーウエポン</a:t>
+            </a:r>
+            <a:endParaRPr kumimoji="1" lang="en-US" altLang="ja-JP" b="1" dirty="0" smtClean="0">
+              <a:solidFill>
+                <a:srgbClr val="FF0000"/>
+              </a:solidFill>
+              <a:latin typeface="装甲明朝" panose="02000600000000000000" pitchFamily="2" charset="-128"/>
+              <a:ea typeface="装甲明朝" panose="02000600000000000000" pitchFamily="2" charset="-128"/>
+            </a:endParaRPr>
+          </a:p>
+          <a:p>
+            <a:pPr marL="0" indent="0">
+              <a:buNone/>
+            </a:pPr>
+            <a:r>
+              <a:rPr lang="ja-JP" altLang="en-US" dirty="0">
+                <a:latin typeface="装甲明朝" panose="02000600000000000000" pitchFamily="2" charset="-128"/>
+                <a:ea typeface="装甲明朝" panose="02000600000000000000" pitchFamily="2" charset="-128"/>
+              </a:rPr>
+              <a:t>強烈な一撃を</a:t>
+            </a:r>
+            <a:r>
+              <a:rPr lang="ja-JP" altLang="en-US" dirty="0" smtClean="0">
+                <a:latin typeface="装甲明朝" panose="02000600000000000000" pitchFamily="2" charset="-128"/>
+                <a:ea typeface="装甲明朝" panose="02000600000000000000" pitchFamily="2" charset="-128"/>
+              </a:rPr>
+              <a:t>叩き込める！</a:t>
+            </a:r>
+            <a:endParaRPr lang="en-US" altLang="ja-JP" dirty="0" smtClean="0">
+              <a:latin typeface="装甲明朝" panose="02000600000000000000" pitchFamily="2" charset="-128"/>
+              <a:ea typeface="装甲明朝" panose="02000600000000000000" pitchFamily="2" charset="-128"/>
+            </a:endParaRPr>
+          </a:p>
+          <a:p>
+            <a:pPr marL="0" indent="0">
+              <a:buNone/>
+            </a:pPr>
+            <a:r>
+              <a:rPr lang="ja-JP" altLang="en-US" sz="4000" b="1" dirty="0" smtClean="0">
+                <a:solidFill>
+                  <a:srgbClr val="FF0000"/>
+                </a:solidFill>
+                <a:latin typeface="装甲明朝" panose="02000600000000000000" pitchFamily="2" charset="-128"/>
+                <a:ea typeface="装甲明朝" panose="02000600000000000000" pitchFamily="2" charset="-128"/>
+              </a:rPr>
+              <a:t>強い</a:t>
+            </a:r>
+            <a:r>
+              <a:rPr lang="ja-JP" altLang="en-US" dirty="0" smtClean="0">
+                <a:latin typeface="装甲明朝" panose="02000600000000000000" pitchFamily="2" charset="-128"/>
+                <a:ea typeface="装甲明朝" panose="02000600000000000000" pitchFamily="2" charset="-128"/>
+              </a:rPr>
+              <a:t>代わりに</a:t>
+            </a:r>
+            <a:r>
+              <a:rPr lang="ja-JP" altLang="en-US" sz="4000" b="1" dirty="0" smtClean="0">
+                <a:solidFill>
+                  <a:srgbClr val="0070C0"/>
+                </a:solidFill>
+                <a:latin typeface="装甲明朝" panose="02000600000000000000" pitchFamily="2" charset="-128"/>
+                <a:ea typeface="装甲明朝" panose="02000600000000000000" pitchFamily="2" charset="-128"/>
+              </a:rPr>
+              <a:t>連射できない</a:t>
+            </a:r>
+            <a:endParaRPr lang="en-US" altLang="ja-JP" b="1" dirty="0" smtClean="0">
+              <a:solidFill>
+                <a:srgbClr val="0070C0"/>
+              </a:solidFill>
+              <a:latin typeface="装甲明朝" panose="02000600000000000000" pitchFamily="2" charset="-128"/>
+              <a:ea typeface="装甲明朝" panose="02000600000000000000" pitchFamily="2" charset="-128"/>
+            </a:endParaRPr>
+          </a:p>
+          <a:p>
+            <a:pPr marL="0" indent="0">
+              <a:buNone/>
+            </a:pPr>
+            <a:r>
+              <a:rPr lang="ja-JP" altLang="en-US" sz="3600" b="1" dirty="0">
+                <a:solidFill>
+                  <a:srgbClr val="0070C0"/>
+                </a:solidFill>
+                <a:latin typeface="装甲明朝" panose="02000600000000000000" pitchFamily="2" charset="-128"/>
+                <a:ea typeface="装甲明朝" panose="02000600000000000000" pitchFamily="2" charset="-128"/>
+              </a:rPr>
+              <a:t>大きく</a:t>
+            </a:r>
+            <a:r>
+              <a:rPr lang="ja-JP" altLang="en-US" b="1" dirty="0">
+                <a:solidFill>
+                  <a:srgbClr val="0070C0"/>
+                </a:solidFill>
+                <a:latin typeface="装甲明朝" panose="02000600000000000000" pitchFamily="2" charset="-128"/>
+                <a:ea typeface="装甲明朝" panose="02000600000000000000" pitchFamily="2" charset="-128"/>
+              </a:rPr>
+              <a:t>ゲージ</a:t>
+            </a:r>
+            <a:r>
+              <a:rPr lang="ja-JP" altLang="en-US" b="1" dirty="0" smtClean="0">
+                <a:solidFill>
+                  <a:srgbClr val="0070C0"/>
+                </a:solidFill>
+                <a:latin typeface="装甲明朝" panose="02000600000000000000" pitchFamily="2" charset="-128"/>
+                <a:ea typeface="装甲明朝" panose="02000600000000000000" pitchFamily="2" charset="-128"/>
+              </a:rPr>
+              <a:t>を消費する</a:t>
+            </a:r>
+            <a:r>
+              <a:rPr lang="en-US" altLang="ja-JP" dirty="0" smtClean="0">
+                <a:solidFill>
+                  <a:srgbClr val="0070C0"/>
+                </a:solidFill>
+                <a:latin typeface="装甲明朝" panose="02000600000000000000" pitchFamily="2" charset="-128"/>
+                <a:ea typeface="装甲明朝" panose="02000600000000000000" pitchFamily="2" charset="-128"/>
+              </a:rPr>
+              <a:t/>
+            </a:r>
+            <a:br>
+              <a:rPr lang="en-US" altLang="ja-JP" dirty="0" smtClean="0">
+                <a:solidFill>
+                  <a:srgbClr val="0070C0"/>
+                </a:solidFill>
+                <a:latin typeface="装甲明朝" panose="02000600000000000000" pitchFamily="2" charset="-128"/>
+                <a:ea typeface="装甲明朝" panose="02000600000000000000" pitchFamily="2" charset="-128"/>
+              </a:rPr>
+            </a:br>
+            <a:endParaRPr kumimoji="1" lang="en-US" altLang="ja-JP" dirty="0" smtClean="0">
+              <a:solidFill>
+                <a:srgbClr val="0070C0"/>
+              </a:solidFill>
+              <a:latin typeface="装甲明朝" panose="02000600000000000000" pitchFamily="2" charset="-128"/>
+              <a:ea typeface="装甲明朝" panose="02000600000000000000" pitchFamily="2" charset="-128"/>
+            </a:endParaRPr>
+          </a:p>
+          <a:p>
+            <a:endParaRPr kumimoji="1" lang="ja-JP" altLang="en-US" dirty="0"/>
+          </a:p>
+        </p:txBody>
+      </p:sp>
+      <p:sp>
+        <p:nvSpPr>
+          <p:cNvPr id="4" name="テキスト ボックス 3"/>
+          <p:cNvSpPr txBox="1"/>
+          <p:nvPr/>
+        </p:nvSpPr>
+        <p:spPr>
+          <a:xfrm>
+            <a:off x="3378715" y="1133070"/>
+            <a:ext cx="6531919" cy="830997"/>
+          </a:xfrm>
+          <a:prstGeom prst="rect">
+            <a:avLst/>
+          </a:prstGeom>
+          <a:noFill/>
+        </p:spPr>
+        <p:txBody>
+          <a:bodyPr wrap="square" rtlCol="0">
+            <a:spAutoFit/>
+          </a:bodyPr>
+          <a:lstStyle/>
+          <a:p>
+            <a:r>
+              <a:rPr lang="ja-JP" altLang="en-US" sz="2400" b="1" dirty="0" smtClean="0">
+                <a:solidFill>
+                  <a:srgbClr val="FF0000"/>
+                </a:solidFill>
+                <a:latin typeface="装甲明朝" panose="02000600000000000000" pitchFamily="2" charset="-128"/>
+                <a:ea typeface="装甲明朝" panose="02000600000000000000" pitchFamily="2" charset="-128"/>
+              </a:rPr>
+              <a:t>どの</a:t>
+            </a:r>
+            <a:r>
+              <a:rPr lang="ja-JP" altLang="en-US" sz="2400" b="1" dirty="0">
+                <a:solidFill>
+                  <a:srgbClr val="FF0000"/>
+                </a:solidFill>
+                <a:latin typeface="装甲明朝" panose="02000600000000000000" pitchFamily="2" charset="-128"/>
+                <a:ea typeface="装甲明朝" panose="02000600000000000000" pitchFamily="2" charset="-128"/>
+              </a:rPr>
+              <a:t>攻撃</a:t>
+            </a:r>
+            <a:r>
+              <a:rPr lang="ja-JP" altLang="en-US" sz="2400" b="1" dirty="0" smtClean="0">
+                <a:solidFill>
+                  <a:srgbClr val="FF0000"/>
+                </a:solidFill>
+                <a:latin typeface="装甲明朝" panose="02000600000000000000" pitchFamily="2" charset="-128"/>
+                <a:ea typeface="装甲明朝" panose="02000600000000000000" pitchFamily="2" charset="-128"/>
+              </a:rPr>
+              <a:t>もゲージを使って攻撃する！！</a:t>
+            </a:r>
+            <a:r>
+              <a:rPr lang="en-US" altLang="ja-JP" sz="2400" b="1" dirty="0" smtClean="0">
+                <a:solidFill>
+                  <a:srgbClr val="FF0000"/>
+                </a:solidFill>
+                <a:latin typeface="装甲明朝" panose="02000600000000000000" pitchFamily="2" charset="-128"/>
+                <a:ea typeface="装甲明朝" panose="02000600000000000000" pitchFamily="2" charset="-128"/>
+              </a:rPr>
+              <a:t/>
+            </a:r>
+            <a:br>
+              <a:rPr lang="en-US" altLang="ja-JP" sz="2400" b="1" dirty="0" smtClean="0">
+                <a:solidFill>
+                  <a:srgbClr val="FF0000"/>
+                </a:solidFill>
+                <a:latin typeface="装甲明朝" panose="02000600000000000000" pitchFamily="2" charset="-128"/>
+                <a:ea typeface="装甲明朝" panose="02000600000000000000" pitchFamily="2" charset="-128"/>
+              </a:rPr>
+            </a:br>
+            <a:endParaRPr kumimoji="1" lang="ja-JP" altLang="en-US" sz="2400" b="1" dirty="0">
+              <a:solidFill>
+                <a:srgbClr val="FF0000"/>
+              </a:solidFill>
+              <a:latin typeface="装甲明朝" panose="02000600000000000000" pitchFamily="2" charset="-128"/>
+              <a:ea typeface="装甲明朝" panose="02000600000000000000" pitchFamily="2" charset="-128"/>
+            </a:endParaRPr>
+          </a:p>
+        </p:txBody>
+      </p:sp>
+      <p:sp>
+        <p:nvSpPr>
+          <p:cNvPr id="5" name="テキスト ボックス 4"/>
+          <p:cNvSpPr txBox="1"/>
+          <p:nvPr/>
+        </p:nvSpPr>
+        <p:spPr>
+          <a:xfrm>
+            <a:off x="173093" y="1752573"/>
+            <a:ext cx="4754507" cy="2862322"/>
+          </a:xfrm>
+          <a:prstGeom prst="rect">
+            <a:avLst/>
+          </a:prstGeom>
+          <a:noFill/>
+        </p:spPr>
+        <p:txBody>
+          <a:bodyPr wrap="square" rtlCol="0">
+            <a:spAutoFit/>
+          </a:bodyPr>
+          <a:lstStyle/>
+          <a:p>
+            <a:pPr algn="ctr"/>
+            <a:r>
+              <a:rPr kumimoji="1" lang="ja-JP" altLang="en-US" sz="2800" b="1" dirty="0" smtClean="0">
+                <a:solidFill>
+                  <a:srgbClr val="FF0000"/>
+                </a:solidFill>
+                <a:latin typeface="装甲明朝" panose="02000600000000000000" pitchFamily="2" charset="-128"/>
+                <a:ea typeface="装甲明朝" panose="02000600000000000000" pitchFamily="2" charset="-128"/>
+              </a:rPr>
+              <a:t>ライトウエポン</a:t>
+            </a:r>
+            <a:endParaRPr kumimoji="1" lang="en-US" altLang="ja-JP" sz="2800" b="1" dirty="0" smtClean="0">
+              <a:solidFill>
+                <a:srgbClr val="FF0000"/>
+              </a:solidFill>
+              <a:latin typeface="装甲明朝" panose="02000600000000000000" pitchFamily="2" charset="-128"/>
+              <a:ea typeface="装甲明朝" panose="02000600000000000000" pitchFamily="2" charset="-128"/>
+            </a:endParaRPr>
+          </a:p>
+          <a:p>
+            <a:r>
+              <a:rPr lang="ja-JP" altLang="en-US" sz="2800" b="1" dirty="0" smtClean="0">
+                <a:latin typeface="装甲明朝" panose="02000600000000000000" pitchFamily="2" charset="-128"/>
+                <a:ea typeface="装甲明朝" panose="02000600000000000000" pitchFamily="2" charset="-128"/>
+              </a:rPr>
+              <a:t>メインウエポン</a:t>
+            </a:r>
+            <a:endParaRPr lang="en-US" altLang="ja-JP" sz="2800" b="1" dirty="0">
+              <a:latin typeface="装甲明朝" panose="02000600000000000000" pitchFamily="2" charset="-128"/>
+              <a:ea typeface="装甲明朝" panose="02000600000000000000" pitchFamily="2" charset="-128"/>
+            </a:endParaRPr>
+          </a:p>
+          <a:p>
+            <a:r>
+              <a:rPr lang="en-US" altLang="ja-JP" sz="2800" b="1" dirty="0" smtClean="0">
+                <a:solidFill>
+                  <a:srgbClr val="0070C0"/>
+                </a:solidFill>
+                <a:latin typeface="装甲明朝" panose="02000600000000000000" pitchFamily="2" charset="-128"/>
+                <a:ea typeface="装甲明朝" panose="02000600000000000000" pitchFamily="2" charset="-128"/>
+              </a:rPr>
+              <a:t>1</a:t>
+            </a:r>
+            <a:r>
+              <a:rPr lang="ja-JP" altLang="en-US" sz="2800" b="1" dirty="0">
+                <a:solidFill>
+                  <a:srgbClr val="0070C0"/>
+                </a:solidFill>
+                <a:latin typeface="装甲明朝" panose="02000600000000000000" pitchFamily="2" charset="-128"/>
+                <a:ea typeface="装甲明朝" panose="02000600000000000000" pitchFamily="2" charset="-128"/>
+              </a:rPr>
+              <a:t>撃</a:t>
+            </a:r>
+            <a:r>
+              <a:rPr lang="ja-JP" altLang="en-US" sz="2800" b="1" dirty="0" smtClean="0">
+                <a:solidFill>
+                  <a:srgbClr val="0070C0"/>
+                </a:solidFill>
+                <a:latin typeface="装甲明朝" panose="02000600000000000000" pitchFamily="2" charset="-128"/>
+                <a:ea typeface="装甲明朝" panose="02000600000000000000" pitchFamily="2" charset="-128"/>
+              </a:rPr>
+              <a:t>は弱い</a:t>
+            </a:r>
+            <a:r>
+              <a:rPr lang="ja-JP" altLang="en-US" sz="2800" b="1" dirty="0" smtClean="0">
+                <a:latin typeface="装甲明朝" panose="02000600000000000000" pitchFamily="2" charset="-128"/>
+                <a:ea typeface="装甲明朝" panose="02000600000000000000" pitchFamily="2" charset="-128"/>
+              </a:rPr>
+              <a:t>が</a:t>
+            </a:r>
+            <a:r>
+              <a:rPr lang="ja-JP" altLang="en-US" sz="3600" b="1" dirty="0" smtClean="0">
+                <a:solidFill>
+                  <a:srgbClr val="FF0000"/>
+                </a:solidFill>
+                <a:latin typeface="装甲明朝" panose="02000600000000000000" pitchFamily="2" charset="-128"/>
+                <a:ea typeface="装甲明朝" panose="02000600000000000000" pitchFamily="2" charset="-128"/>
+              </a:rPr>
+              <a:t>連射</a:t>
+            </a:r>
+            <a:r>
+              <a:rPr lang="ja-JP" altLang="en-US" sz="4000" b="1" dirty="0" smtClean="0">
+                <a:solidFill>
+                  <a:srgbClr val="FF0000"/>
+                </a:solidFill>
+                <a:latin typeface="装甲明朝" panose="02000600000000000000" pitchFamily="2" charset="-128"/>
+                <a:ea typeface="装甲明朝" panose="02000600000000000000" pitchFamily="2" charset="-128"/>
+              </a:rPr>
+              <a:t>できる</a:t>
+            </a:r>
+            <a:endParaRPr lang="en-US" altLang="ja-JP" sz="4000" b="1" dirty="0" smtClean="0">
+              <a:solidFill>
+                <a:srgbClr val="FF0000"/>
+              </a:solidFill>
+              <a:latin typeface="装甲明朝" panose="02000600000000000000" pitchFamily="2" charset="-128"/>
+              <a:ea typeface="装甲明朝" panose="02000600000000000000" pitchFamily="2" charset="-128"/>
+            </a:endParaRPr>
+          </a:p>
+          <a:p>
+            <a:r>
+              <a:rPr lang="en-US" altLang="ja-JP" sz="2800" b="1" dirty="0" smtClean="0">
+                <a:latin typeface="装甲明朝" panose="02000600000000000000" pitchFamily="2" charset="-128"/>
+                <a:ea typeface="装甲明朝" panose="02000600000000000000" pitchFamily="2" charset="-128"/>
+              </a:rPr>
+              <a:t>1</a:t>
+            </a:r>
+            <a:r>
+              <a:rPr lang="ja-JP" altLang="en-US" sz="2800" b="1" dirty="0" smtClean="0">
+                <a:latin typeface="装甲明朝" panose="02000600000000000000" pitchFamily="2" charset="-128"/>
+                <a:ea typeface="装甲明朝" panose="02000600000000000000" pitchFamily="2" charset="-128"/>
+              </a:rPr>
+              <a:t>発当たりのゲージ</a:t>
+            </a:r>
+            <a:endParaRPr lang="en-US" altLang="ja-JP" sz="2800" b="1" dirty="0" smtClean="0">
+              <a:latin typeface="装甲明朝" panose="02000600000000000000" pitchFamily="2" charset="-128"/>
+              <a:ea typeface="装甲明朝" panose="02000600000000000000" pitchFamily="2" charset="-128"/>
+            </a:endParaRPr>
+          </a:p>
+          <a:p>
+            <a:r>
+              <a:rPr lang="ja-JP" altLang="en-US" sz="2800" b="1" dirty="0" smtClean="0">
+                <a:solidFill>
+                  <a:srgbClr val="FF0000"/>
+                </a:solidFill>
+                <a:latin typeface="装甲明朝" panose="02000600000000000000" pitchFamily="2" charset="-128"/>
+                <a:ea typeface="装甲明朝" panose="02000600000000000000" pitchFamily="2" charset="-128"/>
+              </a:rPr>
+              <a:t>消費量が少ない</a:t>
+            </a:r>
+            <a:endParaRPr lang="en-US" altLang="ja-JP" sz="2800" b="1" dirty="0" smtClean="0">
+              <a:solidFill>
+                <a:srgbClr val="FF0000"/>
+              </a:solidFill>
+              <a:latin typeface="装甲明朝" panose="02000600000000000000" pitchFamily="2" charset="-128"/>
+              <a:ea typeface="装甲明朝" panose="02000600000000000000" pitchFamily="2" charset="-128"/>
+            </a:endParaRPr>
+          </a:p>
+          <a:p>
+            <a:endParaRPr lang="en-US" altLang="ja-JP" sz="2800" dirty="0" smtClean="0"/>
+          </a:p>
+        </p:txBody>
+      </p:sp>
+      <p:sp>
+        <p:nvSpPr>
+          <p:cNvPr id="3" name="正方形/長方形 2"/>
+          <p:cNvSpPr/>
+          <p:nvPr/>
+        </p:nvSpPr>
+        <p:spPr>
+          <a:xfrm>
+            <a:off x="8122062" y="6002209"/>
+            <a:ext cx="3327628" cy="626076"/>
+          </a:xfrm>
+          <a:prstGeom prst="rect">
+            <a:avLst/>
+          </a:prstGeom>
+        </p:spPr>
+        <p:style>
+          <a:lnRef idx="2">
+            <a:schemeClr val="accent1">
+              <a:shade val="50000"/>
+            </a:schemeClr>
+          </a:lnRef>
+          <a:fillRef idx="1">
+            <a:schemeClr val="accent1"/>
+          </a:fillRef>
+          <a:effectRef idx="0">
+            <a:schemeClr val="accent1"/>
+          </a:effectRef>
+          <a:fontRef idx="minor">
+            <a:schemeClr val="lt1"/>
+          </a:fontRef>
+        </p:style>
+        <p:txBody>
+          <a:bodyPr rtlCol="0" anchor="ctr"/>
+          <a:lstStyle/>
+          <a:p>
+            <a:pPr algn="ctr"/>
+            <a:endParaRPr kumimoji="1" lang="ja-JP" altLang="en-US">
+              <a:solidFill>
+                <a:srgbClr val="FF0000"/>
+              </a:solidFill>
+            </a:endParaRPr>
+          </a:p>
+        </p:txBody>
+      </p:sp>
+      <p:sp>
+        <p:nvSpPr>
+          <p:cNvPr id="10" name="正方形/長方形 9"/>
+          <p:cNvSpPr/>
+          <p:nvPr/>
+        </p:nvSpPr>
+        <p:spPr>
+          <a:xfrm>
+            <a:off x="109410" y="6071845"/>
+            <a:ext cx="3327628" cy="626076"/>
+          </a:xfrm>
+          <a:prstGeom prst="rect">
+            <a:avLst/>
+          </a:prstGeom>
+        </p:spPr>
+        <p:style>
+          <a:lnRef idx="2">
+            <a:schemeClr val="accent1">
+              <a:shade val="50000"/>
+            </a:schemeClr>
+          </a:lnRef>
+          <a:fillRef idx="1">
+            <a:schemeClr val="accent1"/>
+          </a:fillRef>
+          <a:effectRef idx="0">
+            <a:schemeClr val="accent1"/>
+          </a:effectRef>
+          <a:fontRef idx="minor">
+            <a:schemeClr val="lt1"/>
+          </a:fontRef>
+        </p:style>
+        <p:txBody>
+          <a:bodyPr rtlCol="0" anchor="ctr"/>
+          <a:lstStyle/>
+          <a:p>
+            <a:pPr algn="ctr"/>
+            <a:endParaRPr kumimoji="1" lang="ja-JP" altLang="en-US">
+              <a:solidFill>
+                <a:srgbClr val="FF0000"/>
+              </a:solidFill>
+            </a:endParaRPr>
+          </a:p>
+        </p:txBody>
+      </p:sp>
+      <p:sp>
+        <p:nvSpPr>
+          <p:cNvPr id="11" name="正方形/長方形 10"/>
+          <p:cNvSpPr/>
+          <p:nvPr/>
+        </p:nvSpPr>
+        <p:spPr>
+          <a:xfrm>
+            <a:off x="9600755" y="6002209"/>
+            <a:ext cx="1848936" cy="626076"/>
+          </a:xfrm>
+          <a:prstGeom prst="rect">
+            <a:avLst/>
+          </a:prstGeom>
+          <a:solidFill>
+            <a:srgbClr val="FF0000"/>
+          </a:solidFill>
+        </p:spPr>
+        <p:style>
+          <a:lnRef idx="2">
+            <a:schemeClr val="accent1">
+              <a:shade val="50000"/>
+            </a:schemeClr>
+          </a:lnRef>
+          <a:fillRef idx="1">
+            <a:schemeClr val="accent1"/>
+          </a:fillRef>
+          <a:effectRef idx="0">
+            <a:schemeClr val="accent1"/>
+          </a:effectRef>
+          <a:fontRef idx="minor">
+            <a:schemeClr val="lt1"/>
+          </a:fontRef>
+        </p:style>
+        <p:txBody>
+          <a:bodyPr rtlCol="0" anchor="ctr"/>
+          <a:lstStyle/>
+          <a:p>
+            <a:pPr algn="ctr"/>
+            <a:endParaRPr kumimoji="1" lang="ja-JP" altLang="en-US">
+              <a:solidFill>
+                <a:srgbClr val="FF0000"/>
+              </a:solidFill>
+            </a:endParaRPr>
+          </a:p>
+        </p:txBody>
+      </p:sp>
+      <p:sp>
+        <p:nvSpPr>
+          <p:cNvPr id="12" name="正方形/長方形 11"/>
+          <p:cNvSpPr/>
+          <p:nvPr/>
+        </p:nvSpPr>
+        <p:spPr>
+          <a:xfrm>
+            <a:off x="2844373" y="6071845"/>
+            <a:ext cx="592665" cy="626076"/>
+          </a:xfrm>
+          <a:prstGeom prst="rect">
+            <a:avLst/>
+          </a:prstGeom>
+          <a:solidFill>
+            <a:srgbClr val="FF0000"/>
+          </a:solidFill>
+        </p:spPr>
+        <p:style>
+          <a:lnRef idx="2">
+            <a:schemeClr val="accent1">
+              <a:shade val="50000"/>
+            </a:schemeClr>
+          </a:lnRef>
+          <a:fillRef idx="1">
+            <a:schemeClr val="accent1"/>
+          </a:fillRef>
+          <a:effectRef idx="0">
+            <a:schemeClr val="accent1"/>
+          </a:effectRef>
+          <a:fontRef idx="minor">
+            <a:schemeClr val="lt1"/>
+          </a:fontRef>
+        </p:style>
+        <p:txBody>
+          <a:bodyPr rtlCol="0" anchor="ctr"/>
+          <a:lstStyle/>
+          <a:p>
+            <a:pPr algn="ctr"/>
+            <a:endParaRPr kumimoji="1" lang="ja-JP" altLang="en-US">
+              <a:solidFill>
+                <a:srgbClr val="FF0000"/>
+              </a:solidFill>
+            </a:endParaRPr>
+          </a:p>
+        </p:txBody>
+      </p:sp>
+      <p:pic>
+        <p:nvPicPr>
+          <p:cNvPr id="7" name="図 6"/>
+          <p:cNvPicPr>
+            <a:picLocks noChangeAspect="1"/>
+          </p:cNvPicPr>
+          <p:nvPr/>
+        </p:nvPicPr>
+        <p:blipFill>
+          <a:blip r:embed="rId2" cstate="print">
+            <a:extLst>
+              <a:ext uri="{28A0092B-C50C-407E-A947-70E740481C1C}">
+                <a14:useLocalDpi xmlns:a14="http://schemas.microsoft.com/office/drawing/2010/main" val="0"/>
+              </a:ext>
+            </a:extLst>
+          </a:blip>
+          <a:stretch>
+            <a:fillRect/>
+          </a:stretch>
+        </p:blipFill>
+        <p:spPr>
+          <a:xfrm>
+            <a:off x="7433170" y="4465522"/>
+            <a:ext cx="1606323" cy="1606323"/>
+          </a:xfrm>
+          <a:prstGeom prst="rect">
+            <a:avLst/>
+          </a:prstGeom>
+        </p:spPr>
+      </p:pic>
+      <p:pic>
+        <p:nvPicPr>
+          <p:cNvPr id="8" name="図 7"/>
+          <p:cNvPicPr>
+            <a:picLocks noChangeAspect="1"/>
+          </p:cNvPicPr>
+          <p:nvPr/>
+        </p:nvPicPr>
+        <p:blipFill>
+          <a:blip r:embed="rId3">
+            <a:extLst>
+              <a:ext uri="{28A0092B-C50C-407E-A947-70E740481C1C}">
+                <a14:useLocalDpi xmlns:a14="http://schemas.microsoft.com/office/drawing/2010/main" val="0"/>
+              </a:ext>
+            </a:extLst>
+          </a:blip>
+          <a:stretch>
+            <a:fillRect/>
+          </a:stretch>
+        </p:blipFill>
+        <p:spPr>
+          <a:xfrm>
+            <a:off x="9442948" y="4539318"/>
+            <a:ext cx="1891418" cy="1576182"/>
+          </a:xfrm>
+          <a:prstGeom prst="rect">
+            <a:avLst/>
+          </a:prstGeom>
+        </p:spPr>
+      </p:pic>
+      <p:sp>
+        <p:nvSpPr>
+          <p:cNvPr id="18" name="下カーブ矢印 17"/>
+          <p:cNvSpPr/>
+          <p:nvPr/>
+        </p:nvSpPr>
+        <p:spPr>
+          <a:xfrm>
+            <a:off x="8341049" y="3860216"/>
+            <a:ext cx="1984603" cy="896379"/>
+          </a:xfrm>
+          <a:prstGeom prst="curvedDownArrow">
+            <a:avLst>
+              <a:gd name="adj1" fmla="val 0"/>
+              <a:gd name="adj2" fmla="val 17209"/>
+              <a:gd name="adj3" fmla="val 25000"/>
+            </a:avLst>
+          </a:prstGeom>
+        </p:spPr>
+        <p:style>
+          <a:lnRef idx="2">
+            <a:schemeClr val="accent1">
+              <a:shade val="50000"/>
+            </a:schemeClr>
+          </a:lnRef>
+          <a:fillRef idx="1">
+            <a:schemeClr val="accent1"/>
+          </a:fillRef>
+          <a:effectRef idx="0">
+            <a:schemeClr val="accent1"/>
+          </a:effectRef>
+          <a:fontRef idx="minor">
+            <a:schemeClr val="lt1"/>
+          </a:fontRef>
+        </p:style>
+        <p:txBody>
+          <a:bodyPr rtlCol="0" anchor="ctr"/>
+          <a:lstStyle/>
+          <a:p>
+            <a:pPr algn="ctr"/>
+            <a:endParaRPr kumimoji="1" lang="ja-JP" altLang="en-US">
+              <a:solidFill>
+                <a:schemeClr val="tx1"/>
+              </a:solidFill>
+            </a:endParaRPr>
+          </a:p>
+        </p:txBody>
+      </p:sp>
+      <p:cxnSp>
+        <p:nvCxnSpPr>
+          <p:cNvPr id="20" name="直線矢印コネクタ 19"/>
+          <p:cNvCxnSpPr/>
+          <p:nvPr/>
+        </p:nvCxnSpPr>
+        <p:spPr>
+          <a:xfrm flipH="1">
+            <a:off x="9600754" y="6315247"/>
+            <a:ext cx="1848936" cy="0"/>
+          </a:xfrm>
+          <a:prstGeom prst="straightConnector1">
+            <a:avLst/>
+          </a:prstGeom>
+          <a:ln w="76200">
+            <a:solidFill>
+              <a:srgbClr val="FFFF00"/>
+            </a:solidFill>
+            <a:tailEnd type="triangle"/>
+          </a:ln>
+        </p:spPr>
+        <p:style>
+          <a:lnRef idx="1">
+            <a:schemeClr val="accent1"/>
+          </a:lnRef>
+          <a:fillRef idx="0">
+            <a:schemeClr val="accent1"/>
+          </a:fillRef>
+          <a:effectRef idx="0">
+            <a:schemeClr val="accent1"/>
+          </a:effectRef>
+          <a:fontRef idx="minor">
+            <a:schemeClr val="tx1"/>
+          </a:fontRef>
+        </p:style>
+      </p:cxnSp>
+      <p:sp>
+        <p:nvSpPr>
+          <p:cNvPr id="21" name="テキスト ボックス 20"/>
+          <p:cNvSpPr txBox="1"/>
+          <p:nvPr/>
+        </p:nvSpPr>
+        <p:spPr>
+          <a:xfrm>
+            <a:off x="3816724" y="4430106"/>
+            <a:ext cx="3907552" cy="1015663"/>
+          </a:xfrm>
+          <a:prstGeom prst="rect">
+            <a:avLst/>
+          </a:prstGeom>
+          <a:noFill/>
+        </p:spPr>
+        <p:txBody>
+          <a:bodyPr wrap="square" rtlCol="0">
+            <a:spAutoFit/>
+          </a:bodyPr>
+          <a:lstStyle/>
+          <a:p>
+            <a:r>
+              <a:rPr lang="ja-JP" altLang="en-US" sz="2400" b="1" dirty="0">
+                <a:solidFill>
+                  <a:srgbClr val="FF0000"/>
+                </a:solidFill>
+                <a:latin typeface="装甲明朝" panose="02000600000000000000" pitchFamily="2" charset="-128"/>
+                <a:ea typeface="装甲明朝" panose="02000600000000000000" pitchFamily="2" charset="-128"/>
+              </a:rPr>
+              <a:t>ゲージ管理を忘れるな</a:t>
+            </a:r>
+            <a:r>
+              <a:rPr lang="ja-JP" altLang="en-US" sz="2400" b="1" dirty="0" smtClean="0">
+                <a:solidFill>
+                  <a:srgbClr val="FF0000"/>
+                </a:solidFill>
+                <a:latin typeface="装甲明朝" panose="02000600000000000000" pitchFamily="2" charset="-128"/>
+                <a:ea typeface="装甲明朝" panose="02000600000000000000" pitchFamily="2" charset="-128"/>
+              </a:rPr>
+              <a:t>！</a:t>
+            </a:r>
+            <a:endParaRPr lang="en-US" altLang="ja-JP" sz="2400" b="1" dirty="0" smtClean="0">
+              <a:solidFill>
+                <a:srgbClr val="FF0000"/>
+              </a:solidFill>
+              <a:latin typeface="装甲明朝" panose="02000600000000000000" pitchFamily="2" charset="-128"/>
+              <a:ea typeface="装甲明朝" panose="02000600000000000000" pitchFamily="2" charset="-128"/>
+            </a:endParaRPr>
+          </a:p>
+          <a:p>
+            <a:r>
+              <a:rPr kumimoji="1" lang="ja-JP" altLang="en-US" sz="2400" b="1" dirty="0">
+                <a:solidFill>
+                  <a:srgbClr val="FF0000"/>
+                </a:solidFill>
+                <a:latin typeface="装甲明朝" panose="02000600000000000000" pitchFamily="2" charset="-128"/>
+                <a:ea typeface="装甲明朝" panose="02000600000000000000" pitchFamily="2" charset="-128"/>
+              </a:rPr>
+              <a:t>どう戦うかは</a:t>
+            </a:r>
+            <a:r>
+              <a:rPr kumimoji="1" lang="ja-JP" altLang="en-US" sz="3600" b="1" dirty="0">
+                <a:solidFill>
+                  <a:srgbClr val="FF0000"/>
+                </a:solidFill>
+                <a:latin typeface="装甲明朝" panose="02000600000000000000" pitchFamily="2" charset="-128"/>
+                <a:ea typeface="装甲明朝" panose="02000600000000000000" pitchFamily="2" charset="-128"/>
+              </a:rPr>
+              <a:t>君</a:t>
+            </a:r>
+            <a:r>
+              <a:rPr kumimoji="1" lang="ja-JP" altLang="en-US" sz="2400" b="1" dirty="0" smtClean="0">
+                <a:solidFill>
+                  <a:srgbClr val="FF0000"/>
+                </a:solidFill>
+                <a:latin typeface="装甲明朝" panose="02000600000000000000" pitchFamily="2" charset="-128"/>
+                <a:ea typeface="装甲明朝" panose="02000600000000000000" pitchFamily="2" charset="-128"/>
+              </a:rPr>
+              <a:t>次第！！</a:t>
+            </a:r>
+            <a:endParaRPr kumimoji="1" lang="en-US" altLang="ja-JP" sz="2400" b="1" dirty="0" smtClean="0">
+              <a:solidFill>
+                <a:srgbClr val="FF0000"/>
+              </a:solidFill>
+              <a:latin typeface="装甲明朝" panose="02000600000000000000" pitchFamily="2" charset="-128"/>
+              <a:ea typeface="装甲明朝" panose="02000600000000000000" pitchFamily="2" charset="-128"/>
+            </a:endParaRPr>
+          </a:p>
+        </p:txBody>
+      </p:sp>
+      <p:pic>
+        <p:nvPicPr>
+          <p:cNvPr id="23" name="図 22"/>
+          <p:cNvPicPr>
+            <a:picLocks noChangeAspect="1"/>
+          </p:cNvPicPr>
+          <p:nvPr/>
+        </p:nvPicPr>
+        <p:blipFill>
+          <a:blip r:embed="rId4" cstate="print">
+            <a:extLst>
+              <a:ext uri="{28A0092B-C50C-407E-A947-70E740481C1C}">
+                <a14:useLocalDpi xmlns:a14="http://schemas.microsoft.com/office/drawing/2010/main" val="0"/>
+              </a:ext>
+            </a:extLst>
+          </a:blip>
+          <a:stretch>
+            <a:fillRect/>
+          </a:stretch>
+        </p:blipFill>
+        <p:spPr>
+          <a:xfrm rot="19426068">
+            <a:off x="1831124" y="4479005"/>
+            <a:ext cx="2507477" cy="1410455"/>
+          </a:xfrm>
+          <a:prstGeom prst="rect">
+            <a:avLst/>
+          </a:prstGeom>
+        </p:spPr>
+      </p:pic>
+      <p:pic>
+        <p:nvPicPr>
+          <p:cNvPr id="28" name="図 27"/>
+          <p:cNvPicPr>
+            <a:picLocks noChangeAspect="1"/>
+          </p:cNvPicPr>
+          <p:nvPr/>
+        </p:nvPicPr>
+        <p:blipFill>
+          <a:blip r:embed="rId5">
+            <a:extLst>
+              <a:ext uri="{28A0092B-C50C-407E-A947-70E740481C1C}">
+                <a14:useLocalDpi xmlns:a14="http://schemas.microsoft.com/office/drawing/2010/main" val="0"/>
+              </a:ext>
+            </a:extLst>
+          </a:blip>
+          <a:stretch>
+            <a:fillRect/>
+          </a:stretch>
+        </p:blipFill>
+        <p:spPr>
+          <a:xfrm rot="20678393" flipH="1">
+            <a:off x="574805" y="5191710"/>
+            <a:ext cx="822701" cy="634608"/>
+          </a:xfrm>
+          <a:prstGeom prst="rect">
+            <a:avLst/>
+          </a:prstGeom>
+        </p:spPr>
+      </p:pic>
+      <p:pic>
+        <p:nvPicPr>
+          <p:cNvPr id="29" name="図 28"/>
+          <p:cNvPicPr>
+            <a:picLocks noChangeAspect="1"/>
+          </p:cNvPicPr>
+          <p:nvPr/>
+        </p:nvPicPr>
+        <p:blipFill>
+          <a:blip r:embed="rId5">
+            <a:extLst>
+              <a:ext uri="{28A0092B-C50C-407E-A947-70E740481C1C}">
+                <a14:useLocalDpi xmlns:a14="http://schemas.microsoft.com/office/drawing/2010/main" val="0"/>
+              </a:ext>
+            </a:extLst>
+          </a:blip>
+          <a:stretch>
+            <a:fillRect/>
+          </a:stretch>
+        </p:blipFill>
+        <p:spPr>
+          <a:xfrm rot="1519897" flipH="1">
+            <a:off x="616312" y="4383651"/>
+            <a:ext cx="822701" cy="634608"/>
+          </a:xfrm>
+          <a:prstGeom prst="rect">
+            <a:avLst/>
+          </a:prstGeom>
+        </p:spPr>
+      </p:pic>
+      <p:pic>
+        <p:nvPicPr>
+          <p:cNvPr id="30" name="図 29"/>
+          <p:cNvPicPr>
+            <a:picLocks noChangeAspect="1"/>
+          </p:cNvPicPr>
+          <p:nvPr/>
+        </p:nvPicPr>
+        <p:blipFill>
+          <a:blip r:embed="rId5">
+            <a:extLst>
+              <a:ext uri="{28A0092B-C50C-407E-A947-70E740481C1C}">
+                <a14:useLocalDpi xmlns:a14="http://schemas.microsoft.com/office/drawing/2010/main" val="0"/>
+              </a:ext>
+            </a:extLst>
+          </a:blip>
+          <a:stretch>
+            <a:fillRect/>
+          </a:stretch>
+        </p:blipFill>
+        <p:spPr>
+          <a:xfrm rot="936413" flipH="1">
+            <a:off x="1529170" y="4535107"/>
+            <a:ext cx="822701" cy="634608"/>
+          </a:xfrm>
+          <a:prstGeom prst="rect">
+            <a:avLst/>
+          </a:prstGeom>
+        </p:spPr>
+      </p:pic>
+      <p:pic>
+        <p:nvPicPr>
+          <p:cNvPr id="31" name="図 30"/>
+          <p:cNvPicPr>
+            <a:picLocks noChangeAspect="1"/>
+          </p:cNvPicPr>
+          <p:nvPr/>
+        </p:nvPicPr>
+        <p:blipFill>
+          <a:blip r:embed="rId5">
+            <a:extLst>
+              <a:ext uri="{28A0092B-C50C-407E-A947-70E740481C1C}">
+                <a14:useLocalDpi xmlns:a14="http://schemas.microsoft.com/office/drawing/2010/main" val="0"/>
+              </a:ext>
+            </a:extLst>
+          </a:blip>
+          <a:stretch>
+            <a:fillRect/>
+          </a:stretch>
+        </p:blipFill>
+        <p:spPr>
+          <a:xfrm rot="20747144" flipH="1">
+            <a:off x="1615196" y="5149357"/>
+            <a:ext cx="822701" cy="634608"/>
+          </a:xfrm>
+          <a:prstGeom prst="rect">
+            <a:avLst/>
+          </a:prstGeom>
+        </p:spPr>
+      </p:pic>
+      <p:cxnSp>
+        <p:nvCxnSpPr>
+          <p:cNvPr id="45" name="直線矢印コネクタ 44"/>
+          <p:cNvCxnSpPr>
+            <a:stCxn id="12" idx="3"/>
+            <a:endCxn id="12" idx="1"/>
+          </p:cNvCxnSpPr>
+          <p:nvPr/>
+        </p:nvCxnSpPr>
+        <p:spPr>
+          <a:xfrm flipH="1">
+            <a:off x="2844373" y="6384883"/>
+            <a:ext cx="592665" cy="0"/>
+          </a:xfrm>
+          <a:prstGeom prst="straightConnector1">
+            <a:avLst/>
+          </a:prstGeom>
+          <a:ln w="57150">
+            <a:solidFill>
+              <a:srgbClr val="FFFF00"/>
+            </a:solidFill>
+            <a:tailEnd type="triangle"/>
+          </a:ln>
+        </p:spPr>
+        <p:style>
+          <a:lnRef idx="1">
+            <a:schemeClr val="accent1"/>
+          </a:lnRef>
+          <a:fillRef idx="0">
+            <a:schemeClr val="accent1"/>
+          </a:fillRef>
+          <a:effectRef idx="0">
+            <a:schemeClr val="accent1"/>
+          </a:effectRef>
+          <a:fontRef idx="minor">
+            <a:schemeClr val="tx1"/>
+          </a:fontRef>
+        </p:style>
+      </p:cxnSp>
+      <p:sp>
+        <p:nvSpPr>
+          <p:cNvPr id="46" name="テキスト ボックス 45"/>
+          <p:cNvSpPr txBox="1"/>
+          <p:nvPr/>
+        </p:nvSpPr>
+        <p:spPr>
+          <a:xfrm>
+            <a:off x="3786308" y="5838193"/>
+            <a:ext cx="3937968" cy="954107"/>
+          </a:xfrm>
+          <a:prstGeom prst="rect">
+            <a:avLst/>
+          </a:prstGeom>
+          <a:noFill/>
+        </p:spPr>
+        <p:txBody>
+          <a:bodyPr wrap="square" rtlCol="0">
+            <a:spAutoFit/>
+          </a:bodyPr>
+          <a:lstStyle/>
+          <a:p>
+            <a:r>
+              <a:rPr lang="ja-JP" altLang="en-US" sz="2800" b="1" dirty="0">
+                <a:latin typeface="装甲明朝" panose="02000600000000000000" pitchFamily="2" charset="-128"/>
+                <a:ea typeface="装甲明朝" panose="02000600000000000000" pitchFamily="2" charset="-128"/>
+              </a:rPr>
+              <a:t>ゲージは自動回復</a:t>
+            </a:r>
+            <a:r>
+              <a:rPr lang="ja-JP" altLang="en-US" sz="2800" b="1" dirty="0" smtClean="0">
+                <a:latin typeface="装甲明朝" panose="02000600000000000000" pitchFamily="2" charset="-128"/>
+                <a:ea typeface="装甲明朝" panose="02000600000000000000" pitchFamily="2" charset="-128"/>
+              </a:rPr>
+              <a:t>する</a:t>
+            </a:r>
+            <a:endParaRPr lang="en-US" altLang="ja-JP" sz="2800" b="1" dirty="0" smtClean="0">
+              <a:latin typeface="装甲明朝" panose="02000600000000000000" pitchFamily="2" charset="-128"/>
+              <a:ea typeface="装甲明朝" panose="02000600000000000000" pitchFamily="2" charset="-128"/>
+            </a:endParaRPr>
+          </a:p>
+          <a:p>
+            <a:r>
+              <a:rPr kumimoji="1" lang="ja-JP" altLang="en-US" sz="2800" b="1" dirty="0">
+                <a:solidFill>
+                  <a:srgbClr val="FF0000"/>
+                </a:solidFill>
+                <a:latin typeface="装甲明朝" panose="02000600000000000000" pitchFamily="2" charset="-128"/>
+                <a:ea typeface="装甲明朝" panose="02000600000000000000" pitchFamily="2" charset="-128"/>
+              </a:rPr>
+              <a:t>使いすぎに</a:t>
+            </a:r>
+            <a:r>
+              <a:rPr kumimoji="1" lang="ja-JP" altLang="en-US" sz="2800" b="1" dirty="0" smtClean="0">
+                <a:solidFill>
+                  <a:srgbClr val="FF0000"/>
+                </a:solidFill>
+                <a:latin typeface="装甲明朝" panose="02000600000000000000" pitchFamily="2" charset="-128"/>
+                <a:ea typeface="装甲明朝" panose="02000600000000000000" pitchFamily="2" charset="-128"/>
+              </a:rPr>
+              <a:t>注意！！</a:t>
+            </a:r>
+            <a:endParaRPr kumimoji="1" lang="ja-JP" altLang="en-US" b="1" dirty="0">
+              <a:solidFill>
+                <a:srgbClr val="FF0000"/>
+              </a:solidFill>
+              <a:latin typeface="装甲明朝" panose="02000600000000000000" pitchFamily="2" charset="-128"/>
+              <a:ea typeface="装甲明朝" panose="02000600000000000000" pitchFamily="2" charset="-128"/>
+            </a:endParaRPr>
+          </a:p>
+        </p:txBody>
+      </p:sp>
+    </p:spTree>
+    <p:extLst>
+      <p:ext uri="{BB962C8B-B14F-4D97-AF65-F5344CB8AC3E}">
+        <p14:creationId xmlns:p14="http://schemas.microsoft.com/office/powerpoint/2010/main" val="3727222283"/>
+      </p:ext>
+    </p:extLst>
+  </p:cSld>
+  <p:clrMapOvr>
+    <a:masterClrMapping/>
+  </p:clrMapOvr>
+  <p:timing>
+    <p:tnLst>
+      <p:par>
+        <p:cTn id="1" dur="indefinite" restart="never" nodeType="tmRoot"/>
+      </p:par>
+    </p:tnLst>
+  </p:timing>
+</p:sld>
+</file>
+
+<file path=ppt/slides/slide6.xml><?xml version="1.0" encoding="utf-8"?>
+<p:sld xmlns:a="http://schemas.openxmlformats.org/drawingml/2006/main" xmlns:r="http://schemas.openxmlformats.org/officeDocument/2006/relationships" xmlns:p="http://schemas.openxmlformats.org/presentationml/2006/main">
+  <p:cSld>
+    <p:spTree>
+      <p:nvGrpSpPr>
+        <p:cNvPr id="1" name=""/>
+        <p:cNvGrpSpPr/>
+        <p:nvPr/>
+      </p:nvGrpSpPr>
+      <p:grpSpPr>
+        <a:xfrm>
+          <a:off x="0" y="0"/>
+          <a:ext cx="0" cy="0"/>
+          <a:chOff x="0" y="0"/>
+          <a:chExt cx="0" cy="0"/>
+        </a:xfrm>
+      </p:grpSpPr>
+      <p:sp>
+        <p:nvSpPr>
+          <p:cNvPr id="2" name="タイトル 1"/>
+          <p:cNvSpPr>
+            <a:spLocks noGrp="1"/>
+          </p:cNvSpPr>
+          <p:nvPr>
+            <p:ph type="title"/>
+          </p:nvPr>
+        </p:nvSpPr>
+        <p:spPr>
+          <a:xfrm>
+            <a:off x="0" y="0"/>
+            <a:ext cx="4827373" cy="1325563"/>
+          </a:xfrm>
+        </p:spPr>
+        <p:txBody>
+          <a:bodyPr/>
+          <a:lstStyle/>
+          <a:p>
+            <a:r>
+              <a:rPr lang="ja-JP" altLang="en-US" b="1" dirty="0">
+                <a:latin typeface="装甲明朝" panose="02000600000000000000" pitchFamily="2" charset="-128"/>
+                <a:ea typeface="装甲明朝" panose="02000600000000000000" pitchFamily="2" charset="-128"/>
+              </a:rPr>
+              <a:t>アピールポイント</a:t>
+            </a:r>
+            <a:endParaRPr lang="en-US" altLang="ja-JP" b="1" dirty="0">
+              <a:latin typeface="装甲明朝" panose="02000600000000000000" pitchFamily="2" charset="-128"/>
+              <a:ea typeface="装甲明朝" panose="02000600000000000000" pitchFamily="2" charset="-128"/>
+            </a:endParaRPr>
+          </a:p>
+        </p:txBody>
+      </p:sp>
+      <p:sp>
+        <p:nvSpPr>
+          <p:cNvPr id="3" name="コンテンツ プレースホルダー 2"/>
+          <p:cNvSpPr>
+            <a:spLocks noGrp="1"/>
+          </p:cNvSpPr>
+          <p:nvPr>
+            <p:ph idx="1"/>
+          </p:nvPr>
+        </p:nvSpPr>
+        <p:spPr>
+          <a:xfrm>
+            <a:off x="0" y="3348731"/>
+            <a:ext cx="12302067" cy="2367936"/>
+          </a:xfrm>
+        </p:spPr>
+        <p:txBody>
+          <a:bodyPr>
+            <a:normAutofit/>
+          </a:bodyPr>
+          <a:lstStyle/>
+          <a:p>
+            <a:pPr marL="0" indent="0">
+              <a:buNone/>
+            </a:pPr>
+            <a:endParaRPr kumimoji="1" lang="en-US" altLang="ja-JP" sz="3600" b="1" dirty="0">
+              <a:solidFill>
+                <a:srgbClr val="FF0000"/>
+              </a:solidFill>
+              <a:latin typeface="装甲明朝" panose="02000600000000000000" pitchFamily="2" charset="-128"/>
+              <a:ea typeface="装甲明朝" panose="02000600000000000000" pitchFamily="2" charset="-128"/>
+            </a:endParaRPr>
+          </a:p>
+          <a:p>
+            <a:pPr marL="0" indent="0">
+              <a:buNone/>
+            </a:pPr>
+            <a:endParaRPr kumimoji="1" lang="en-US" altLang="ja-JP" sz="3600" b="1" dirty="0" smtClean="0">
+              <a:solidFill>
+                <a:srgbClr val="FF0000"/>
+              </a:solidFill>
+              <a:latin typeface="装甲明朝" panose="02000600000000000000" pitchFamily="2" charset="-128"/>
+              <a:ea typeface="装甲明朝" panose="02000600000000000000" pitchFamily="2" charset="-128"/>
+            </a:endParaRPr>
+          </a:p>
+          <a:p>
+            <a:pPr marL="0" indent="0">
+              <a:buNone/>
+            </a:pPr>
+            <a:r>
+              <a:rPr lang="ja-JP" altLang="en-US" sz="4800" b="1" dirty="0" smtClean="0">
+                <a:solidFill>
+                  <a:srgbClr val="FF0000"/>
+                </a:solidFill>
+                <a:latin typeface="装甲明朝" panose="02000600000000000000" pitchFamily="2" charset="-128"/>
+                <a:ea typeface="装甲明朝" panose="02000600000000000000" pitchFamily="2" charset="-128"/>
+              </a:rPr>
+              <a:t>アクションゲージの使い方</a:t>
+            </a:r>
+            <a:r>
+              <a:rPr lang="ja-JP" altLang="en-US" sz="4800" b="1" smtClean="0">
+                <a:solidFill>
+                  <a:srgbClr val="FF0000"/>
+                </a:solidFill>
+                <a:latin typeface="装甲明朝" panose="02000600000000000000" pitchFamily="2" charset="-128"/>
+                <a:ea typeface="装甲明朝" panose="02000600000000000000" pitchFamily="2" charset="-128"/>
+              </a:rPr>
+              <a:t>が勝利へ導く！</a:t>
+            </a:r>
+            <a:r>
+              <a:rPr lang="ja-JP" altLang="en-US" sz="4300" b="1" dirty="0" smtClean="0">
+                <a:solidFill>
+                  <a:srgbClr val="FF0000"/>
+                </a:solidFill>
+                <a:latin typeface="装甲明朝" panose="02000600000000000000" pitchFamily="2" charset="-128"/>
+                <a:ea typeface="装甲明朝" panose="02000600000000000000" pitchFamily="2" charset="-128"/>
+              </a:rPr>
+              <a:t>　</a:t>
+            </a:r>
+            <a:r>
+              <a:rPr lang="ja-JP" altLang="en-US" sz="2200" b="1" dirty="0" smtClean="0">
+                <a:solidFill>
+                  <a:srgbClr val="FF0000"/>
+                </a:solidFill>
+                <a:latin typeface="装甲明朝" panose="02000600000000000000" pitchFamily="2" charset="-128"/>
+                <a:ea typeface="装甲明朝" panose="02000600000000000000" pitchFamily="2" charset="-128"/>
+              </a:rPr>
+              <a:t>　</a:t>
+            </a:r>
+            <a:r>
+              <a:rPr lang="ja-JP" altLang="en-US" sz="2200" b="1" dirty="0" smtClean="0">
+                <a:latin typeface="装甲明朝" panose="02000600000000000000" pitchFamily="2" charset="-128"/>
+                <a:ea typeface="装甲明朝" panose="02000600000000000000" pitchFamily="2" charset="-128"/>
+              </a:rPr>
+              <a:t>　　　</a:t>
+            </a:r>
+            <a:r>
+              <a:rPr lang="ja-JP" altLang="en-US" b="1" dirty="0" smtClean="0">
+                <a:latin typeface="装甲明朝" panose="02000600000000000000" pitchFamily="2" charset="-128"/>
+                <a:ea typeface="装甲明朝" panose="02000600000000000000" pitchFamily="2" charset="-128"/>
+              </a:rPr>
+              <a:t>　　　　　　　　　　　　　　　　　</a:t>
+            </a:r>
+            <a:endParaRPr kumimoji="1" lang="en-US" altLang="ja-JP" b="1" dirty="0" smtClean="0">
+              <a:latin typeface="装甲明朝" panose="02000600000000000000" pitchFamily="2" charset="-128"/>
+              <a:ea typeface="装甲明朝" panose="02000600000000000000" pitchFamily="2" charset="-128"/>
+            </a:endParaRPr>
+          </a:p>
+        </p:txBody>
+      </p:sp>
+      <p:sp>
+        <p:nvSpPr>
+          <p:cNvPr id="4" name="テキスト ボックス 3"/>
+          <p:cNvSpPr txBox="1"/>
+          <p:nvPr/>
+        </p:nvSpPr>
+        <p:spPr>
+          <a:xfrm>
+            <a:off x="124615" y="1858231"/>
+            <a:ext cx="11728717" cy="1754326"/>
+          </a:xfrm>
+          <a:prstGeom prst="rect">
+            <a:avLst/>
+          </a:prstGeom>
+          <a:noFill/>
+        </p:spPr>
+        <p:txBody>
+          <a:bodyPr wrap="square" rtlCol="0">
+            <a:spAutoFit/>
+          </a:bodyPr>
+          <a:lstStyle/>
+          <a:p>
+            <a:r>
+              <a:rPr lang="ja-JP" altLang="en-US" sz="7200" b="1" dirty="0">
+                <a:solidFill>
+                  <a:srgbClr val="FF0000"/>
+                </a:solidFill>
+                <a:latin typeface="装甲明朝" panose="02000600000000000000" pitchFamily="2" charset="-128"/>
+                <a:ea typeface="装甲明朝" panose="02000600000000000000" pitchFamily="2" charset="-128"/>
+              </a:rPr>
+              <a:t>豪快で迫力のある演出！</a:t>
+            </a:r>
+            <a:endParaRPr lang="en-US" altLang="ja-JP" sz="7200" b="1" dirty="0">
+              <a:solidFill>
+                <a:srgbClr val="FF0000"/>
+              </a:solidFill>
+              <a:latin typeface="装甲明朝" panose="02000600000000000000" pitchFamily="2" charset="-128"/>
+              <a:ea typeface="装甲明朝" panose="02000600000000000000" pitchFamily="2" charset="-128"/>
+            </a:endParaRPr>
+          </a:p>
+          <a:p>
+            <a:endParaRPr kumimoji="1" lang="ja-JP" altLang="en-US" sz="3600" dirty="0"/>
+          </a:p>
+        </p:txBody>
+      </p:sp>
+    </p:spTree>
+    <p:extLst>
+      <p:ext uri="{BB962C8B-B14F-4D97-AF65-F5344CB8AC3E}">
+        <p14:creationId xmlns:p14="http://schemas.microsoft.com/office/powerpoint/2010/main" val="28373785"/>
+      </p:ext>
+    </p:extLst>
+  </p:cSld>
+  <p:clrMapOvr>
+    <a:masterClrMapping/>
+  </p:clrMapOvr>
+  <p:timing>
+    <p:tnLst>
+      <p:par>
+        <p:cTn id="1" dur="indefinite" restart="never" nodeType="tmRoot"/>
+      </p:par>
+    </p:tnLst>
+  </p:timing>
 </p:sld>
 </file>
 
